--- a/Vortrag_TankCommander_Java/tankCommander.pptx
+++ b/Vortrag_TankCommander_Java/tankCommander.pptx
@@ -5,18 +5,17 @@
     <p:sldMasterId id="2147484323" r:id="rId1"/>
   </p:sldMasterIdLst>
   <p:notesMasterIdLst>
-    <p:notesMasterId r:id="rId11"/>
+    <p:notesMasterId r:id="rId10"/>
   </p:notesMasterIdLst>
   <p:sldIdLst>
     <p:sldId id="256" r:id="rId2"/>
     <p:sldId id="345" r:id="rId3"/>
-    <p:sldId id="386" r:id="rId4"/>
-    <p:sldId id="387" r:id="rId5"/>
-    <p:sldId id="385" r:id="rId6"/>
-    <p:sldId id="288" r:id="rId7"/>
-    <p:sldId id="368" r:id="rId8"/>
-    <p:sldId id="364" r:id="rId9"/>
-    <p:sldId id="365" r:id="rId10"/>
+    <p:sldId id="388" r:id="rId4"/>
+    <p:sldId id="386" r:id="rId5"/>
+    <p:sldId id="387" r:id="rId6"/>
+    <p:sldId id="385" r:id="rId7"/>
+    <p:sldId id="288" r:id="rId8"/>
+    <p:sldId id="368" r:id="rId9"/>
   </p:sldIdLst>
   <p:sldSz cx="9144000" cy="6858000" type="screen4x3"/>
   <p:notesSz cx="6858000" cy="9144000"/>
@@ -263,7 +262,7 @@
               <a:pPr>
                 <a:defRPr/>
               </a:pPr>
-              <a:t>31.08.2014</a:t>
+              <a:t>01.09.2014</a:t>
             </a:fld>
             <a:endParaRPr lang="de-DE"/>
           </a:p>
@@ -587,101 +586,6 @@
     </a:lvl9pPr>
   </p:notesStyle>
 </p:notesMaster>
-</file>
-
-<file path=ppt/notesSlides/notesSlide1.xml><?xml version="1.0" encoding="utf-8"?>
-<p:notes xmlns:a="http://schemas.openxmlformats.org/drawingml/2006/main" xmlns:r="http://schemas.openxmlformats.org/officeDocument/2006/relationships" xmlns:p="http://schemas.openxmlformats.org/presentationml/2006/main">
-  <p:cSld>
-    <p:spTree>
-      <p:nvGrpSpPr>
-        <p:cNvPr id="1" name=""/>
-        <p:cNvGrpSpPr/>
-        <p:nvPr/>
-      </p:nvGrpSpPr>
-      <p:grpSpPr>
-        <a:xfrm>
-          <a:off x="0" y="0"/>
-          <a:ext cx="0" cy="0"/>
-          <a:chOff x="0" y="0"/>
-          <a:chExt cx="0" cy="0"/>
-        </a:xfrm>
-      </p:grpSpPr>
-      <p:sp>
-        <p:nvSpPr>
-          <p:cNvPr id="2" name="Folienbildplatzhalter 1"/>
-          <p:cNvSpPr>
-            <a:spLocks noGrp="1" noRot="1" noChangeAspect="1"/>
-          </p:cNvSpPr>
-          <p:nvPr>
-            <p:ph type="sldImg"/>
-          </p:nvPr>
-        </p:nvSpPr>
-        <p:spPr>
-          <a:xfrm>
-            <a:off x="1143000" y="685800"/>
-            <a:ext cx="4572000" cy="3429000"/>
-          </a:xfrm>
-        </p:spPr>
-      </p:sp>
-      <p:sp>
-        <p:nvSpPr>
-          <p:cNvPr id="3" name="Notizenplatzhalter 2"/>
-          <p:cNvSpPr>
-            <a:spLocks noGrp="1"/>
-          </p:cNvSpPr>
-          <p:nvPr>
-            <p:ph type="body" idx="1"/>
-          </p:nvPr>
-        </p:nvSpPr>
-        <p:spPr/>
-        <p:txBody>
-          <a:bodyPr/>
-          <a:lstStyle/>
-          <a:p>
-            <a:endParaRPr lang="de-DE" dirty="0"/>
-          </a:p>
-        </p:txBody>
-      </p:sp>
-      <p:sp>
-        <p:nvSpPr>
-          <p:cNvPr id="4" name="Foliennummernplatzhalter 3"/>
-          <p:cNvSpPr>
-            <a:spLocks noGrp="1"/>
-          </p:cNvSpPr>
-          <p:nvPr>
-            <p:ph type="sldNum" sz="quarter" idx="10"/>
-          </p:nvPr>
-        </p:nvSpPr>
-        <p:spPr/>
-        <p:txBody>
-          <a:bodyPr/>
-          <a:lstStyle/>
-          <a:p>
-            <a:pPr>
-              <a:defRPr/>
-            </a:pPr>
-            <a:fld id="{19B70C94-38F5-49CA-BCA5-71CF537039EB}" type="slidenum">
-              <a:rPr lang="de-DE" smtClean="0"/>
-              <a:pPr>
-                <a:defRPr/>
-              </a:pPr>
-              <a:t>9</a:t>
-            </a:fld>
-            <a:endParaRPr lang="de-DE"/>
-          </a:p>
-        </p:txBody>
-      </p:sp>
-    </p:spTree>
-    <p:extLst>
-      <p:ext uri="{BB962C8B-B14F-4D97-AF65-F5344CB8AC3E}">
-        <p14:creationId xmlns:p14="http://schemas.microsoft.com/office/powerpoint/2010/main" val="2788366010"/>
-      </p:ext>
-    </p:extLst>
-  </p:cSld>
-  <p:clrMapOvr>
-    <a:masterClrMapping/>
-  </p:clrMapOvr>
-</p:notes>
 </file>
 
 <file path=ppt/slideLayouts/slideLayout1.xml><?xml version="1.0" encoding="utf-8"?>
@@ -3025,7 +2929,7 @@
         </p:spPr>
         <p:txBody>
           <a:bodyPr>
-            <a:normAutofit/>
+            <a:normAutofit fontScale="92500" lnSpcReduction="10000"/>
           </a:bodyPr>
           <a:lstStyle/>
           <a:p>
@@ -3062,9 +2966,21 @@
               <a:t>Technische </a:t>
             </a:r>
             <a:r>
-              <a:rPr lang="de-DE" altLang="de-DE" dirty="0" smtClean="0"/>
+              <a:rPr lang="de-DE" altLang="de-DE" smtClean="0"/>
               <a:t>Grundlagen</a:t>
             </a:r>
+          </a:p>
+          <a:p>
+            <a:pPr lvl="1">
+              <a:lnSpc>
+                <a:spcPct val="150000"/>
+              </a:lnSpc>
+            </a:pPr>
+            <a:r>
+              <a:rPr lang="de-DE" altLang="de-DE" smtClean="0"/>
+              <a:t>Markus</a:t>
+            </a:r>
+            <a:endParaRPr lang="de-DE" altLang="de-DE" dirty="0" smtClean="0"/>
           </a:p>
           <a:p>
             <a:pPr>
@@ -3086,9 +3002,8 @@
             </a:pPr>
             <a:r>
               <a:rPr lang="de-DE" altLang="de-DE" smtClean="0"/>
-              <a:t>Server – Fallstricke durch Objektverteilung</a:t>
+              <a:t>Markus Verbindungsaufbau</a:t>
             </a:r>
-            <a:endParaRPr lang="de-DE" altLang="de-DE" dirty="0" smtClean="0"/>
           </a:p>
           <a:p>
             <a:pPr lvl="1">
@@ -3098,8 +3013,25 @@
             </a:pPr>
             <a:r>
               <a:rPr lang="de-DE" altLang="de-DE" smtClean="0"/>
-              <a:t>Client</a:t>
+              <a:t>Mike Fallstricke </a:t>
             </a:r>
+            <a:r>
+              <a:rPr lang="de-DE" altLang="de-DE" smtClean="0"/>
+              <a:t>durch Objektverteilung</a:t>
+            </a:r>
+            <a:endParaRPr lang="de-DE" altLang="de-DE" dirty="0" smtClean="0"/>
+          </a:p>
+          <a:p>
+            <a:pPr lvl="1">
+              <a:lnSpc>
+                <a:spcPct val="150000"/>
+              </a:lnSpc>
+            </a:pPr>
+            <a:r>
+              <a:rPr lang="de-DE" altLang="de-DE" smtClean="0"/>
+              <a:t>Benno Client</a:t>
+            </a:r>
+            <a:endParaRPr lang="de-DE" altLang="de-DE" smtClean="0"/>
           </a:p>
           <a:p>
             <a:pPr>
@@ -3111,6 +3043,18 @@
               <a:rPr lang="de-DE" altLang="de-DE" smtClean="0"/>
               <a:t>Zusammenfassung</a:t>
             </a:r>
+          </a:p>
+          <a:p>
+            <a:pPr lvl="1">
+              <a:lnSpc>
+                <a:spcPct val="150000"/>
+              </a:lnSpc>
+            </a:pPr>
+            <a:r>
+              <a:rPr lang="de-DE" altLang="de-DE" smtClean="0"/>
+              <a:t>Benno</a:t>
+            </a:r>
+            <a:endParaRPr lang="de-DE" altLang="de-DE" smtClean="0"/>
           </a:p>
         </p:txBody>
       </p:sp>
@@ -3161,38 +3105,46 @@
           <a:bodyPr/>
           <a:lstStyle/>
           <a:p>
-            <a:endParaRPr lang="de-DE"/>
+            <a:r>
+              <a:rPr lang="de-DE" smtClean="0"/>
+              <a:t>Gamelogik </a:t>
+            </a:r>
+            <a:r>
+              <a:rPr lang="de-DE" dirty="0" smtClean="0"/>
+              <a:t>- Klassendiagramm</a:t>
+            </a:r>
+            <a:endParaRPr lang="de-DE" dirty="0"/>
           </a:p>
         </p:txBody>
       </p:sp>
       <p:graphicFrame>
         <p:nvGraphicFramePr>
-          <p:cNvPr id="3" name="Objekt 2"/>
+          <p:cNvPr id="5" name="Objekt 4"/>
           <p:cNvGraphicFramePr>
-            <a:graphicFrameLocks noChangeAspect="1"/>
+            <a:graphicFrameLocks/>
           </p:cNvGraphicFramePr>
           <p:nvPr>
             <p:extLst>
               <p:ext uri="{D42A27DB-BD31-4B8C-83A1-F6EECF244321}">
-                <p14:modId xmlns:p14="http://schemas.microsoft.com/office/powerpoint/2010/main" val="2895996895"/>
+                <p14:modId xmlns:p14="http://schemas.microsoft.com/office/powerpoint/2010/main" val="377190191"/>
               </p:ext>
             </p:extLst>
           </p:nvPr>
         </p:nvGraphicFramePr>
         <p:xfrm>
-          <a:off x="-114889" y="1412776"/>
-          <a:ext cx="9367409" cy="3971391"/>
+          <a:off x="343848" y="1556792"/>
+          <a:ext cx="8421613" cy="5214666"/>
         </p:xfrm>
         <a:graphic>
           <a:graphicData uri="http://schemas.openxmlformats.org/presentationml/2006/ole">
             <mc:AlternateContent xmlns:mc="http://schemas.openxmlformats.org/markup-compatibility/2006">
               <mc:Choice xmlns:v="urn:schemas-microsoft-com:vml" Requires="v">
-                <p:oleObj spid="_x0000_s3078" name="Visio" r:id="rId3" imgW="11506154" imgH="4876800" progId="Visio.Drawing.15">
+                <p:oleObj spid="_x0000_s4099" name="Visio" r:id="rId3" imgW="7629393" imgH="4200571" progId="Visio.Drawing.15">
                   <p:link updateAutomatic="1"/>
                 </p:oleObj>
               </mc:Choice>
               <mc:Fallback>
-                <p:oleObj name="Visio" r:id="rId3" imgW="11506154" imgH="4876800" progId="Visio.Drawing.15">
+                <p:oleObj name="Visio" r:id="rId3" imgW="7629393" imgH="4200571" progId="Visio.Drawing.15">
                   <p:link updateAutomatic="1"/>
                   <p:pic>
                     <p:nvPicPr>
@@ -3208,8 +3160,125 @@
                     </p:blipFill>
                     <p:spPr>
                       <a:xfrm>
-                        <a:off x="-114889" y="1412776"/>
-                        <a:ext cx="9367409" cy="3971391"/>
+                        <a:off x="343848" y="1556792"/>
+                        <a:ext cx="8421613" cy="5214666"/>
+                      </a:xfrm>
+                      <a:prstGeom prst="rect">
+                        <a:avLst/>
+                      </a:prstGeom>
+                    </p:spPr>
+                  </p:pic>
+                </p:oleObj>
+              </mc:Fallback>
+            </mc:AlternateContent>
+          </a:graphicData>
+        </a:graphic>
+      </p:graphicFrame>
+    </p:spTree>
+    <p:extLst>
+      <p:ext uri="{BB962C8B-B14F-4D97-AF65-F5344CB8AC3E}">
+        <p14:creationId xmlns:p14="http://schemas.microsoft.com/office/powerpoint/2010/main" val="2067257061"/>
+      </p:ext>
+    </p:extLst>
+  </p:cSld>
+  <p:clrMapOvr>
+    <a:masterClrMapping/>
+  </p:clrMapOvr>
+  <p:timing>
+    <p:tnLst>
+      <p:par>
+        <p:cTn id="1" dur="indefinite" restart="never" nodeType="tmRoot"/>
+      </p:par>
+    </p:tnLst>
+  </p:timing>
+</p:sld>
+</file>
+
+<file path=ppt/slides/slide4.xml><?xml version="1.0" encoding="utf-8"?>
+<p:sld xmlns:a="http://schemas.openxmlformats.org/drawingml/2006/main" xmlns:r="http://schemas.openxmlformats.org/officeDocument/2006/relationships" xmlns:p="http://schemas.openxmlformats.org/presentationml/2006/main">
+  <p:cSld>
+    <p:spTree>
+      <p:nvGrpSpPr>
+        <p:cNvPr id="1" name=""/>
+        <p:cNvGrpSpPr/>
+        <p:nvPr/>
+      </p:nvGrpSpPr>
+      <p:grpSpPr>
+        <a:xfrm>
+          <a:off x="0" y="0"/>
+          <a:ext cx="0" cy="0"/>
+          <a:chOff x="0" y="0"/>
+          <a:chExt cx="0" cy="0"/>
+        </a:xfrm>
+      </p:grpSpPr>
+      <p:sp>
+        <p:nvSpPr>
+          <p:cNvPr id="2" name="Titel 1"/>
+          <p:cNvSpPr>
+            <a:spLocks noGrp="1"/>
+          </p:cNvSpPr>
+          <p:nvPr>
+            <p:ph type="title"/>
+          </p:nvPr>
+        </p:nvSpPr>
+        <p:spPr/>
+        <p:txBody>
+          <a:bodyPr/>
+          <a:lstStyle/>
+          <a:p>
+            <a:r>
+              <a:rPr lang="de-DE"/>
+              <a:t>Gamelogik - MatchBuilder</a:t>
+            </a:r>
+            <a:endParaRPr lang="de-DE"/>
+          </a:p>
+        </p:txBody>
+      </p:sp>
+      <p:graphicFrame>
+        <p:nvGraphicFramePr>
+          <p:cNvPr id="3" name="Objekt 2"/>
+          <p:cNvGraphicFramePr>
+            <a:graphicFrameLocks noChangeAspect="1"/>
+          </p:cNvGraphicFramePr>
+          <p:nvPr>
+            <p:extLst>
+              <p:ext uri="{D42A27DB-BD31-4B8C-83A1-F6EECF244321}">
+                <p14:modId xmlns:p14="http://schemas.microsoft.com/office/powerpoint/2010/main" val="2941553190"/>
+              </p:ext>
+            </p:extLst>
+          </p:nvPr>
+        </p:nvGraphicFramePr>
+        <p:xfrm>
+          <a:off x="490538" y="1598613"/>
+          <a:ext cx="8154987" cy="3598862"/>
+        </p:xfrm>
+        <a:graphic>
+          <a:graphicData uri="http://schemas.openxmlformats.org/presentationml/2006/ole">
+            <mc:AlternateContent xmlns:mc="http://schemas.openxmlformats.org/markup-compatibility/2006">
+              <mc:Choice xmlns:v="urn:schemas-microsoft-com:vml" Requires="v">
+                <p:oleObj spid="_x0000_s3082" name="Visio" r:id="rId3" imgW="10020277" imgH="4419600" progId="Visio.Drawing.15">
+                  <p:link updateAutomatic="1"/>
+                </p:oleObj>
+              </mc:Choice>
+              <mc:Fallback>
+                <p:oleObj name="Visio" r:id="rId3" imgW="10020277" imgH="4419600" progId="Visio.Drawing.15">
+                  <p:link updateAutomatic="1"/>
+                  <p:pic>
+                    <p:nvPicPr>
+                      <p:cNvPr id="0" name=""/>
+                      <p:cNvPicPr/>
+                      <p:nvPr/>
+                    </p:nvPicPr>
+                    <p:blipFill>
+                      <a:blip r:embed="rId4"/>
+                      <a:stretch>
+                        <a:fillRect/>
+                      </a:stretch>
+                    </p:blipFill>
+                    <p:spPr>
+                      <a:xfrm>
+                        <a:off x="490538" y="1598613"/>
+                        <a:ext cx="8154987" cy="3598862"/>
                       </a:xfrm>
                       <a:prstGeom prst="rect">
                         <a:avLst/>
@@ -3252,119 +3321,134 @@
           </a:prstGeom>
         </p:spPr>
       </p:pic>
-      <p:cxnSp>
-        <p:nvCxnSpPr>
-          <p:cNvPr id="9" name="Gerade Verbindung mit Pfeil 8"/>
-          <p:cNvCxnSpPr/>
+      <p:grpSp>
+        <p:nvGrpSpPr>
+          <p:cNvPr id="7" name="Pfeil_Blau"/>
+          <p:cNvGrpSpPr/>
           <p:nvPr/>
-        </p:nvCxnSpPr>
-        <p:spPr>
-          <a:xfrm flipH="1">
-            <a:off x="2547268" y="1988840"/>
-            <a:ext cx="648072" cy="0"/>
+        </p:nvGrpSpPr>
+        <p:grpSpPr>
+          <a:xfrm>
+            <a:off x="2761640" y="1988840"/>
+            <a:ext cx="1450320" cy="3816424"/>
+            <a:chOff x="2761640" y="1988840"/>
+            <a:chExt cx="1450320" cy="3816424"/>
           </a:xfrm>
-          <a:prstGeom prst="straightConnector1">
-            <a:avLst/>
-          </a:prstGeom>
-          <a:ln w="28575">
-            <a:solidFill>
-              <a:srgbClr val="002060"/>
-            </a:solidFill>
-            <a:tailEnd type="arrow"/>
-          </a:ln>
-          <a:effectLst>
-            <a:outerShdw blurRad="50800" dist="38100" dir="2700000" algn="tl" rotWithShape="0">
-              <a:prstClr val="black">
-                <a:alpha val="40000"/>
-              </a:prstClr>
-            </a:outerShdw>
-          </a:effectLst>
-        </p:spPr>
-        <p:style>
-          <a:lnRef idx="1">
-            <a:schemeClr val="accent1"/>
-          </a:lnRef>
-          <a:fillRef idx="0">
-            <a:schemeClr val="accent1"/>
-          </a:fillRef>
-          <a:effectRef idx="0">
-            <a:schemeClr val="accent1"/>
-          </a:effectRef>
-          <a:fontRef idx="minor">
-            <a:schemeClr val="tx1"/>
-          </a:fontRef>
-        </p:style>
-      </p:cxnSp>
-      <p:cxnSp>
-        <p:nvCxnSpPr>
-          <p:cNvPr id="14" name="Gerade Verbindung 13"/>
-          <p:cNvCxnSpPr/>
-          <p:nvPr/>
-        </p:nvCxnSpPr>
-        <p:spPr>
-          <a:xfrm flipH="1">
-            <a:off x="3995936" y="5805264"/>
-            <a:ext cx="216024" cy="0"/>
-          </a:xfrm>
-          <a:prstGeom prst="line">
-            <a:avLst/>
-          </a:prstGeom>
-          <a:ln w="19050">
-            <a:solidFill>
-              <a:srgbClr val="002060"/>
-            </a:solidFill>
-          </a:ln>
-        </p:spPr>
-        <p:style>
-          <a:lnRef idx="1">
-            <a:schemeClr val="accent1"/>
-          </a:lnRef>
-          <a:fillRef idx="0">
-            <a:schemeClr val="accent1"/>
-          </a:fillRef>
-          <a:effectRef idx="0">
-            <a:schemeClr val="accent1"/>
-          </a:effectRef>
-          <a:fontRef idx="minor">
-            <a:schemeClr val="tx1"/>
-          </a:fontRef>
-        </p:style>
-      </p:cxnSp>
-      <p:cxnSp>
-        <p:nvCxnSpPr>
-          <p:cNvPr id="16" name="Gewinkelte Verbindung 15"/>
-          <p:cNvCxnSpPr/>
-          <p:nvPr/>
-        </p:nvCxnSpPr>
-        <p:spPr>
-          <a:xfrm rot="16200000" flipH="1">
-            <a:off x="1691680" y="3284984"/>
-            <a:ext cx="3816424" cy="1224136"/>
-          </a:xfrm>
-          <a:prstGeom prst="bentConnector3">
-            <a:avLst/>
-          </a:prstGeom>
-          <a:ln w="19050">
-            <a:solidFill>
-              <a:srgbClr val="002060"/>
-            </a:solidFill>
-          </a:ln>
-        </p:spPr>
-        <p:style>
-          <a:lnRef idx="1">
-            <a:schemeClr val="accent1"/>
-          </a:lnRef>
-          <a:fillRef idx="0">
-            <a:schemeClr val="accent1"/>
-          </a:fillRef>
-          <a:effectRef idx="0">
-            <a:schemeClr val="accent1"/>
-          </a:effectRef>
-          <a:fontRef idx="minor">
-            <a:schemeClr val="tx1"/>
-          </a:fontRef>
-        </p:style>
-      </p:cxnSp>
+        </p:grpSpPr>
+        <p:cxnSp>
+          <p:nvCxnSpPr>
+            <p:cNvPr id="9" name="Gerade Verbindung mit Pfeil 8"/>
+            <p:cNvCxnSpPr/>
+            <p:nvPr/>
+          </p:nvCxnSpPr>
+          <p:spPr>
+            <a:xfrm flipH="1">
+              <a:off x="2761640" y="1988840"/>
+              <a:ext cx="648072" cy="0"/>
+            </a:xfrm>
+            <a:prstGeom prst="straightConnector1">
+              <a:avLst/>
+            </a:prstGeom>
+            <a:ln w="28575">
+              <a:solidFill>
+                <a:srgbClr val="002060"/>
+              </a:solidFill>
+              <a:tailEnd type="arrow"/>
+            </a:ln>
+            <a:effectLst>
+              <a:outerShdw blurRad="50800" dist="38100" dir="2700000" algn="tl" rotWithShape="0">
+                <a:prstClr val="black">
+                  <a:alpha val="40000"/>
+                </a:prstClr>
+              </a:outerShdw>
+            </a:effectLst>
+          </p:spPr>
+          <p:style>
+            <a:lnRef idx="1">
+              <a:schemeClr val="accent1"/>
+            </a:lnRef>
+            <a:fillRef idx="0">
+              <a:schemeClr val="accent1"/>
+            </a:fillRef>
+            <a:effectRef idx="0">
+              <a:schemeClr val="accent1"/>
+            </a:effectRef>
+            <a:fontRef idx="minor">
+              <a:schemeClr val="tx1"/>
+            </a:fontRef>
+          </p:style>
+        </p:cxnSp>
+        <p:cxnSp>
+          <p:nvCxnSpPr>
+            <p:cNvPr id="14" name="Gerade Verbindung 13"/>
+            <p:cNvCxnSpPr/>
+            <p:nvPr/>
+          </p:nvCxnSpPr>
+          <p:spPr>
+            <a:xfrm flipH="1">
+              <a:off x="3995936" y="5805264"/>
+              <a:ext cx="216024" cy="0"/>
+            </a:xfrm>
+            <a:prstGeom prst="line">
+              <a:avLst/>
+            </a:prstGeom>
+            <a:ln w="19050">
+              <a:solidFill>
+                <a:srgbClr val="002060"/>
+              </a:solidFill>
+            </a:ln>
+          </p:spPr>
+          <p:style>
+            <a:lnRef idx="1">
+              <a:schemeClr val="accent1"/>
+            </a:lnRef>
+            <a:fillRef idx="0">
+              <a:schemeClr val="accent1"/>
+            </a:fillRef>
+            <a:effectRef idx="0">
+              <a:schemeClr val="accent1"/>
+            </a:effectRef>
+            <a:fontRef idx="minor">
+              <a:schemeClr val="tx1"/>
+            </a:fontRef>
+          </p:style>
+        </p:cxnSp>
+        <p:cxnSp>
+          <p:nvCxnSpPr>
+            <p:cNvPr id="16" name="Gewinkelte Verbindung 15"/>
+            <p:cNvCxnSpPr/>
+            <p:nvPr/>
+          </p:nvCxnSpPr>
+          <p:spPr>
+            <a:xfrm rot="16200000" flipH="1">
+              <a:off x="1691680" y="3284984"/>
+              <a:ext cx="3816424" cy="1224136"/>
+            </a:xfrm>
+            <a:prstGeom prst="bentConnector3">
+              <a:avLst/>
+            </a:prstGeom>
+            <a:ln w="19050">
+              <a:solidFill>
+                <a:srgbClr val="002060"/>
+              </a:solidFill>
+            </a:ln>
+          </p:spPr>
+          <p:style>
+            <a:lnRef idx="1">
+              <a:schemeClr val="accent1"/>
+            </a:lnRef>
+            <a:fillRef idx="0">
+              <a:schemeClr val="accent1"/>
+            </a:fillRef>
+            <a:effectRef idx="0">
+              <a:schemeClr val="accent1"/>
+            </a:effectRef>
+            <a:fontRef idx="minor">
+              <a:schemeClr val="tx1"/>
+            </a:fontRef>
+          </p:style>
+        </p:cxnSp>
+      </p:grpSp>
       <p:pic>
         <p:nvPicPr>
           <p:cNvPr id="6" name="Grafik 5" descr="Bildschirmausschnitt"/>
@@ -3402,28 +3486,174 @@
           </a:effectLst>
         </p:spPr>
       </p:pic>
-      <p:cxnSp>
-        <p:nvCxnSpPr>
-          <p:cNvPr id="8" name="Gerade Verbindung mit Pfeil 7"/>
-          <p:cNvCxnSpPr/>
+      <p:grpSp>
+        <p:nvGrpSpPr>
+          <p:cNvPr id="10" name="Pfeil_rt"/>
+          <p:cNvGrpSpPr/>
           <p:nvPr/>
-        </p:nvCxnSpPr>
+        </p:nvGrpSpPr>
+        <p:grpSpPr>
+          <a:xfrm>
+            <a:off x="2627784" y="2348880"/>
+            <a:ext cx="792088" cy="1548172"/>
+            <a:chOff x="2547268" y="2348880"/>
+            <a:chExt cx="792088" cy="1548172"/>
+          </a:xfrm>
+        </p:grpSpPr>
+        <p:cxnSp>
+          <p:nvCxnSpPr>
+            <p:cNvPr id="8" name="Gerade Verbindung mit Pfeil 7"/>
+            <p:cNvCxnSpPr/>
+            <p:nvPr/>
+          </p:nvCxnSpPr>
+          <p:spPr>
+            <a:xfrm>
+              <a:off x="2691284" y="2348880"/>
+              <a:ext cx="648072" cy="0"/>
+            </a:xfrm>
+            <a:prstGeom prst="straightConnector1">
+              <a:avLst/>
+            </a:prstGeom>
+            <a:ln w="28575">
+              <a:solidFill>
+                <a:srgbClr val="C00000"/>
+              </a:solidFill>
+              <a:tailEnd type="arrow"/>
+            </a:ln>
+            <a:effectLst>
+              <a:outerShdw blurRad="50800" dist="38100" dir="2700000" algn="tl" rotWithShape="0">
+                <a:prstClr val="black">
+                  <a:alpha val="40000"/>
+                </a:prstClr>
+              </a:outerShdw>
+            </a:effectLst>
+          </p:spPr>
+          <p:style>
+            <a:lnRef idx="1">
+              <a:schemeClr val="accent1"/>
+            </a:lnRef>
+            <a:fillRef idx="0">
+              <a:schemeClr val="accent1"/>
+            </a:fillRef>
+            <a:effectRef idx="0">
+              <a:schemeClr val="accent1"/>
+            </a:effectRef>
+            <a:fontRef idx="minor">
+              <a:schemeClr val="tx1"/>
+            </a:fontRef>
+          </p:style>
+        </p:cxnSp>
+        <p:grpSp>
+          <p:nvGrpSpPr>
+            <p:cNvPr id="4" name="Pfeil_rot"/>
+            <p:cNvGrpSpPr/>
+            <p:nvPr/>
+          </p:nvGrpSpPr>
+          <p:grpSpPr>
+            <a:xfrm>
+              <a:off x="2547268" y="2348880"/>
+              <a:ext cx="324036" cy="1548172"/>
+              <a:chOff x="2547268" y="2348880"/>
+              <a:chExt cx="324036" cy="1548172"/>
+            </a:xfrm>
+          </p:grpSpPr>
+          <p:cxnSp>
+            <p:nvCxnSpPr>
+              <p:cNvPr id="20" name="Gewinkelte Verbindung 19"/>
+              <p:cNvCxnSpPr/>
+              <p:nvPr/>
+            </p:nvCxnSpPr>
+            <p:spPr>
+              <a:xfrm rot="5400000">
+                <a:off x="1935200" y="2960948"/>
+                <a:ext cx="1548172" cy="324036"/>
+              </a:xfrm>
+              <a:prstGeom prst="bentConnector3">
+                <a:avLst/>
+              </a:prstGeom>
+              <a:ln w="19050">
+                <a:solidFill>
+                  <a:srgbClr val="C00000"/>
+                </a:solidFill>
+              </a:ln>
+            </p:spPr>
+            <p:style>
+              <a:lnRef idx="1">
+                <a:schemeClr val="accent1"/>
+              </a:lnRef>
+              <a:fillRef idx="0">
+                <a:schemeClr val="accent1"/>
+              </a:fillRef>
+              <a:effectRef idx="0">
+                <a:schemeClr val="accent1"/>
+              </a:effectRef>
+              <a:fontRef idx="minor">
+                <a:schemeClr val="tx1"/>
+              </a:fontRef>
+            </p:style>
+          </p:cxnSp>
+          <p:cxnSp>
+            <p:nvCxnSpPr>
+              <p:cNvPr id="22" name="Gerade Verbindung 21"/>
+              <p:cNvCxnSpPr/>
+              <p:nvPr/>
+            </p:nvCxnSpPr>
+            <p:spPr>
+              <a:xfrm>
+                <a:off x="2547268" y="3897052"/>
+                <a:ext cx="162018" cy="0"/>
+              </a:xfrm>
+              <a:prstGeom prst="line">
+                <a:avLst/>
+              </a:prstGeom>
+              <a:ln w="19050">
+                <a:solidFill>
+                  <a:srgbClr val="C00000"/>
+                </a:solidFill>
+              </a:ln>
+            </p:spPr>
+            <p:style>
+              <a:lnRef idx="1">
+                <a:schemeClr val="accent1"/>
+              </a:lnRef>
+              <a:fillRef idx="0">
+                <a:schemeClr val="accent1"/>
+              </a:fillRef>
+              <a:effectRef idx="0">
+                <a:schemeClr val="accent1"/>
+              </a:effectRef>
+              <a:fontRef idx="minor">
+                <a:schemeClr val="tx1"/>
+              </a:fontRef>
+            </p:style>
+          </p:cxnSp>
+        </p:grpSp>
+      </p:grpSp>
+      <p:sp>
+        <p:nvSpPr>
+          <p:cNvPr id="15" name="Rechteck 14"/>
+          <p:cNvSpPr/>
+          <p:nvPr/>
+        </p:nvSpPr>
         <p:spPr>
           <a:xfrm>
-            <a:off x="2547268" y="2348880"/>
-            <a:ext cx="648072" cy="0"/>
+            <a:off x="3485709" y="5313673"/>
+            <a:ext cx="2160240" cy="1211671"/>
           </a:xfrm>
-          <a:prstGeom prst="straightConnector1">
+          <a:prstGeom prst="rect">
             <a:avLst/>
           </a:prstGeom>
-          <a:ln w="28575">
+          <a:solidFill>
+            <a:schemeClr val="bg2"/>
+          </a:solidFill>
+          <a:ln>
             <a:solidFill>
-              <a:srgbClr val="C00000"/>
+              <a:schemeClr val="tx1"/>
             </a:solidFill>
             <a:tailEnd type="arrow"/>
           </a:ln>
           <a:effectLst>
-            <a:outerShdw blurRad="50800" dist="38100" dir="2700000" algn="tl" rotWithShape="0">
+            <a:outerShdw blurRad="63500" sx="102000" sy="102000" algn="ctr" rotWithShape="0">
               <a:prstClr val="black">
                 <a:alpha val="40000"/>
               </a:prstClr>
@@ -3444,25 +3674,34 @@
             <a:schemeClr val="tx1"/>
           </a:fontRef>
         </p:style>
-      </p:cxnSp>
-      <p:cxnSp>
-        <p:nvCxnSpPr>
-          <p:cNvPr id="20" name="Gewinkelte Verbindung 19"/>
-          <p:cNvCxnSpPr/>
+        <p:txBody>
+          <a:bodyPr rtlCol="0" anchor="ctr"/>
+          <a:lstStyle/>
+          <a:p>
+            <a:pPr algn="ctr"/>
+            <a:endParaRPr lang="de-DE"/>
+          </a:p>
+        </p:txBody>
+      </p:sp>
+      <p:sp>
+        <p:nvSpPr>
+          <p:cNvPr id="17" name="Rechteck 16"/>
+          <p:cNvSpPr/>
           <p:nvPr/>
-        </p:nvCxnSpPr>
+        </p:nvSpPr>
         <p:spPr>
-          <a:xfrm rot="5400000">
-            <a:off x="1935200" y="2960948"/>
-            <a:ext cx="1548172" cy="324036"/>
+          <a:xfrm>
+            <a:off x="3485709" y="5313673"/>
+            <a:ext cx="720080" cy="1211671"/>
           </a:xfrm>
-          <a:prstGeom prst="bentConnector3">
+          <a:prstGeom prst="rect">
             <a:avLst/>
           </a:prstGeom>
-          <a:ln w="19050">
+          <a:ln>
             <a:solidFill>
               <a:srgbClr val="C00000"/>
             </a:solidFill>
+            <a:tailEnd type="arrow"/>
           </a:ln>
         </p:spPr>
         <p:style>
@@ -3479,25 +3718,34 @@
             <a:schemeClr val="tx1"/>
           </a:fontRef>
         </p:style>
-      </p:cxnSp>
-      <p:cxnSp>
-        <p:nvCxnSpPr>
-          <p:cNvPr id="22" name="Gerade Verbindung 21"/>
-          <p:cNvCxnSpPr/>
+        <p:txBody>
+          <a:bodyPr rtlCol="0" anchor="ctr"/>
+          <a:lstStyle/>
+          <a:p>
+            <a:pPr algn="ctr"/>
+            <a:endParaRPr lang="de-DE"/>
+          </a:p>
+        </p:txBody>
+      </p:sp>
+      <p:sp>
+        <p:nvSpPr>
+          <p:cNvPr id="18" name="Rechteck 17"/>
+          <p:cNvSpPr/>
           <p:nvPr/>
-        </p:nvCxnSpPr>
+        </p:nvSpPr>
         <p:spPr>
           <a:xfrm>
-            <a:off x="2547268" y="3897052"/>
-            <a:ext cx="162018" cy="0"/>
+            <a:off x="4205789" y="5313673"/>
+            <a:ext cx="720080" cy="1211671"/>
           </a:xfrm>
-          <a:prstGeom prst="line">
+          <a:prstGeom prst="rect">
             <a:avLst/>
           </a:prstGeom>
-          <a:ln w="19050">
+          <a:ln>
             <a:solidFill>
               <a:srgbClr val="C00000"/>
             </a:solidFill>
+            <a:tailEnd type="arrow"/>
           </a:ln>
         </p:spPr>
         <p:style>
@@ -3514,7 +3762,226 @@
             <a:schemeClr val="tx1"/>
           </a:fontRef>
         </p:style>
-      </p:cxnSp>
+        <p:txBody>
+          <a:bodyPr rtlCol="0" anchor="ctr"/>
+          <a:lstStyle/>
+          <a:p>
+            <a:pPr algn="ctr"/>
+            <a:endParaRPr lang="de-DE"/>
+          </a:p>
+        </p:txBody>
+      </p:sp>
+      <p:sp>
+        <p:nvSpPr>
+          <p:cNvPr id="19" name="Rechteck 18"/>
+          <p:cNvSpPr/>
+          <p:nvPr/>
+        </p:nvSpPr>
+        <p:spPr>
+          <a:xfrm>
+            <a:off x="4925869" y="5313673"/>
+            <a:ext cx="720080" cy="1211671"/>
+          </a:xfrm>
+          <a:prstGeom prst="rect">
+            <a:avLst/>
+          </a:prstGeom>
+          <a:ln>
+            <a:solidFill>
+              <a:srgbClr val="C00000"/>
+            </a:solidFill>
+            <a:tailEnd type="arrow"/>
+          </a:ln>
+        </p:spPr>
+        <p:style>
+          <a:lnRef idx="1">
+            <a:schemeClr val="accent1"/>
+          </a:lnRef>
+          <a:fillRef idx="0">
+            <a:schemeClr val="accent1"/>
+          </a:fillRef>
+          <a:effectRef idx="0">
+            <a:schemeClr val="accent1"/>
+          </a:effectRef>
+          <a:fontRef idx="minor">
+            <a:schemeClr val="tx1"/>
+          </a:fontRef>
+        </p:style>
+        <p:txBody>
+          <a:bodyPr rtlCol="0" anchor="ctr"/>
+          <a:lstStyle/>
+          <a:p>
+            <a:pPr algn="ctr"/>
+            <a:endParaRPr lang="de-DE"/>
+          </a:p>
+        </p:txBody>
+      </p:sp>
+      <p:sp>
+        <p:nvSpPr>
+          <p:cNvPr id="21" name="li_gn"/>
+          <p:cNvSpPr/>
+          <p:nvPr/>
+        </p:nvSpPr>
+        <p:spPr>
+          <a:xfrm>
+            <a:off x="3530534" y="5313673"/>
+            <a:ext cx="632899" cy="1211671"/>
+          </a:xfrm>
+          <a:prstGeom prst="rect">
+            <a:avLst/>
+          </a:prstGeom>
+          <a:gradFill>
+            <a:gsLst>
+              <a:gs pos="0">
+                <a:srgbClr val="DDEBCF"/>
+              </a:gs>
+              <a:gs pos="50000">
+                <a:srgbClr val="9CB86E"/>
+              </a:gs>
+              <a:gs pos="100000">
+                <a:srgbClr val="156B13"/>
+              </a:gs>
+            </a:gsLst>
+            <a:lin ang="5400000" scaled="0"/>
+          </a:gradFill>
+          <a:ln>
+            <a:solidFill>
+              <a:srgbClr val="C00000"/>
+            </a:solidFill>
+            <a:tailEnd type="arrow"/>
+          </a:ln>
+        </p:spPr>
+        <p:style>
+          <a:lnRef idx="1">
+            <a:schemeClr val="accent1"/>
+          </a:lnRef>
+          <a:fillRef idx="0">
+            <a:schemeClr val="accent1"/>
+          </a:fillRef>
+          <a:effectRef idx="0">
+            <a:schemeClr val="accent1"/>
+          </a:effectRef>
+          <a:fontRef idx="minor">
+            <a:schemeClr val="tx1"/>
+          </a:fontRef>
+        </p:style>
+        <p:txBody>
+          <a:bodyPr rtlCol="0" anchor="ctr"/>
+          <a:lstStyle/>
+          <a:p>
+            <a:pPr algn="ctr"/>
+            <a:endParaRPr lang="de-DE"/>
+          </a:p>
+        </p:txBody>
+      </p:sp>
+      <p:sp>
+        <p:nvSpPr>
+          <p:cNvPr id="23" name="re_gn"/>
+          <p:cNvSpPr/>
+          <p:nvPr/>
+        </p:nvSpPr>
+        <p:spPr>
+          <a:xfrm>
+            <a:off x="4969461" y="5313673"/>
+            <a:ext cx="632899" cy="1211671"/>
+          </a:xfrm>
+          <a:prstGeom prst="rect">
+            <a:avLst/>
+          </a:prstGeom>
+          <a:gradFill>
+            <a:gsLst>
+              <a:gs pos="0">
+                <a:srgbClr val="DDEBCF"/>
+              </a:gs>
+              <a:gs pos="50000">
+                <a:srgbClr val="9CB86E"/>
+              </a:gs>
+              <a:gs pos="100000">
+                <a:srgbClr val="156B13"/>
+              </a:gs>
+            </a:gsLst>
+            <a:lin ang="5400000" scaled="0"/>
+          </a:gradFill>
+          <a:ln>
+            <a:solidFill>
+              <a:srgbClr val="C00000"/>
+            </a:solidFill>
+            <a:tailEnd type="arrow"/>
+          </a:ln>
+        </p:spPr>
+        <p:style>
+          <a:lnRef idx="1">
+            <a:schemeClr val="accent1"/>
+          </a:lnRef>
+          <a:fillRef idx="0">
+            <a:schemeClr val="accent1"/>
+          </a:fillRef>
+          <a:effectRef idx="0">
+            <a:schemeClr val="accent1"/>
+          </a:effectRef>
+          <a:fontRef idx="minor">
+            <a:schemeClr val="tx1"/>
+          </a:fontRef>
+        </p:style>
+        <p:txBody>
+          <a:bodyPr rtlCol="0" anchor="ctr"/>
+          <a:lstStyle/>
+          <a:p>
+            <a:pPr algn="ctr"/>
+            <a:endParaRPr lang="de-DE"/>
+          </a:p>
+        </p:txBody>
+      </p:sp>
+      <p:sp>
+        <p:nvSpPr>
+          <p:cNvPr id="11" name="Rechteck 10"/>
+          <p:cNvSpPr/>
+          <p:nvPr/>
+        </p:nvSpPr>
+        <p:spPr>
+          <a:xfrm>
+            <a:off x="1475656" y="4755624"/>
+            <a:ext cx="6437128" cy="325853"/>
+          </a:xfrm>
+          <a:prstGeom prst="rect">
+            <a:avLst/>
+          </a:prstGeom>
+          <a:ln w="19050">
+            <a:solidFill>
+              <a:srgbClr val="C00000"/>
+            </a:solidFill>
+            <a:tailEnd type="arrow"/>
+          </a:ln>
+          <a:effectLst>
+            <a:outerShdw blurRad="63500" sx="102000" sy="102000" algn="ctr" rotWithShape="0">
+              <a:prstClr val="black">
+                <a:alpha val="40000"/>
+              </a:prstClr>
+            </a:outerShdw>
+          </a:effectLst>
+        </p:spPr>
+        <p:style>
+          <a:lnRef idx="1">
+            <a:schemeClr val="accent1"/>
+          </a:lnRef>
+          <a:fillRef idx="0">
+            <a:schemeClr val="accent1"/>
+          </a:fillRef>
+          <a:effectRef idx="0">
+            <a:schemeClr val="accent1"/>
+          </a:effectRef>
+          <a:fontRef idx="minor">
+            <a:schemeClr val="tx1"/>
+          </a:fontRef>
+        </p:style>
+        <p:txBody>
+          <a:bodyPr rtlCol="0" anchor="ctr"/>
+          <a:lstStyle/>
+          <a:p>
+            <a:pPr algn="ctr"/>
+            <a:endParaRPr lang="de-DE"/>
+          </a:p>
+        </p:txBody>
+      </p:sp>
     </p:spTree>
     <p:extLst>
       <p:ext uri="{BB962C8B-B14F-4D97-AF65-F5344CB8AC3E}">
@@ -3546,7 +4013,7 @@
                             </p:stCondLst>
                             <p:childTnLst>
                               <p:par>
-                                <p:cTn id="5" presetID="1" presetClass="entr" presetSubtype="0" fill="hold" nodeType="clickEffect">
+                                <p:cTn id="5" presetID="1" presetClass="entr" presetSubtype="0" fill="hold" grpId="0" nodeType="clickEffect">
                                   <p:stCondLst>
                                     <p:cond delay="0"/>
                                   </p:stCondLst>
@@ -3559,7 +4026,511 @@
                                           </p:stCondLst>
                                         </p:cTn>
                                         <p:tgtEl>
+                                          <p:spTgt spid="11"/>
+                                        </p:tgtEl>
+                                        <p:attrNameLst>
+                                          <p:attrName>style.visibility</p:attrName>
+                                        </p:attrNameLst>
+                                      </p:cBhvr>
+                                      <p:to>
+                                        <p:strVal val="visible"/>
+                                      </p:to>
+                                    </p:set>
+                                  </p:childTnLst>
+                                </p:cTn>
+                              </p:par>
+                            </p:childTnLst>
+                          </p:cTn>
+                        </p:par>
+                      </p:childTnLst>
+                    </p:cTn>
+                  </p:par>
+                  <p:par>
+                    <p:cTn id="7" fill="hold">
+                      <p:stCondLst>
+                        <p:cond delay="indefinite"/>
+                      </p:stCondLst>
+                      <p:childTnLst>
+                        <p:par>
+                          <p:cTn id="8" fill="hold">
+                            <p:stCondLst>
+                              <p:cond delay="0"/>
+                            </p:stCondLst>
+                            <p:childTnLst>
+                              <p:par>
+                                <p:cTn id="9" presetID="1" presetClass="entr" presetSubtype="0" fill="hold" grpId="0" nodeType="clickEffect">
+                                  <p:stCondLst>
+                                    <p:cond delay="0"/>
+                                  </p:stCondLst>
+                                  <p:childTnLst>
+                                    <p:set>
+                                      <p:cBhvr>
+                                        <p:cTn id="10" dur="1" fill="hold">
+                                          <p:stCondLst>
+                                            <p:cond delay="0"/>
+                                          </p:stCondLst>
+                                        </p:cTn>
+                                        <p:tgtEl>
+                                          <p:spTgt spid="15"/>
+                                        </p:tgtEl>
+                                        <p:attrNameLst>
+                                          <p:attrName>style.visibility</p:attrName>
+                                        </p:attrNameLst>
+                                      </p:cBhvr>
+                                      <p:to>
+                                        <p:strVal val="visible"/>
+                                      </p:to>
+                                    </p:set>
+                                  </p:childTnLst>
+                                </p:cTn>
+                              </p:par>
+                              <p:par>
+                                <p:cTn id="11" presetID="1" presetClass="entr" presetSubtype="0" fill="hold" grpId="0" nodeType="withEffect">
+                                  <p:stCondLst>
+                                    <p:cond delay="0"/>
+                                  </p:stCondLst>
+                                  <p:childTnLst>
+                                    <p:set>
+                                      <p:cBhvr>
+                                        <p:cTn id="12" dur="1" fill="hold">
+                                          <p:stCondLst>
+                                            <p:cond delay="0"/>
+                                          </p:stCondLst>
+                                        </p:cTn>
+                                        <p:tgtEl>
+                                          <p:spTgt spid="17"/>
+                                        </p:tgtEl>
+                                        <p:attrNameLst>
+                                          <p:attrName>style.visibility</p:attrName>
+                                        </p:attrNameLst>
+                                      </p:cBhvr>
+                                      <p:to>
+                                        <p:strVal val="visible"/>
+                                      </p:to>
+                                    </p:set>
+                                  </p:childTnLst>
+                                </p:cTn>
+                              </p:par>
+                              <p:par>
+                                <p:cTn id="13" presetID="1" presetClass="entr" presetSubtype="0" fill="hold" grpId="0" nodeType="withEffect">
+                                  <p:stCondLst>
+                                    <p:cond delay="0"/>
+                                  </p:stCondLst>
+                                  <p:childTnLst>
+                                    <p:set>
+                                      <p:cBhvr>
+                                        <p:cTn id="14" dur="1" fill="hold">
+                                          <p:stCondLst>
+                                            <p:cond delay="0"/>
+                                          </p:stCondLst>
+                                        </p:cTn>
+                                        <p:tgtEl>
+                                          <p:spTgt spid="18"/>
+                                        </p:tgtEl>
+                                        <p:attrNameLst>
+                                          <p:attrName>style.visibility</p:attrName>
+                                        </p:attrNameLst>
+                                      </p:cBhvr>
+                                      <p:to>
+                                        <p:strVal val="visible"/>
+                                      </p:to>
+                                    </p:set>
+                                  </p:childTnLst>
+                                </p:cTn>
+                              </p:par>
+                              <p:par>
+                                <p:cTn id="15" presetID="1" presetClass="entr" presetSubtype="0" fill="hold" grpId="0" nodeType="withEffect">
+                                  <p:stCondLst>
+                                    <p:cond delay="0"/>
+                                  </p:stCondLst>
+                                  <p:childTnLst>
+                                    <p:set>
+                                      <p:cBhvr>
+                                        <p:cTn id="16" dur="1" fill="hold">
+                                          <p:stCondLst>
+                                            <p:cond delay="0"/>
+                                          </p:stCondLst>
+                                        </p:cTn>
+                                        <p:tgtEl>
+                                          <p:spTgt spid="19"/>
+                                        </p:tgtEl>
+                                        <p:attrNameLst>
+                                          <p:attrName>style.visibility</p:attrName>
+                                        </p:attrNameLst>
+                                      </p:cBhvr>
+                                      <p:to>
+                                        <p:strVal val="visible"/>
+                                      </p:to>
+                                    </p:set>
+                                  </p:childTnLst>
+                                </p:cTn>
+                              </p:par>
+                            </p:childTnLst>
+                          </p:cTn>
+                        </p:par>
+                      </p:childTnLst>
+                    </p:cTn>
+                  </p:par>
+                  <p:par>
+                    <p:cTn id="17" fill="hold">
+                      <p:stCondLst>
+                        <p:cond delay="indefinite"/>
+                      </p:stCondLst>
+                      <p:childTnLst>
+                        <p:par>
+                          <p:cTn id="18" fill="hold">
+                            <p:stCondLst>
+                              <p:cond delay="0"/>
+                            </p:stCondLst>
+                            <p:childTnLst>
+                              <p:par>
+                                <p:cTn id="19" presetID="1" presetClass="entr" presetSubtype="0" fill="hold" grpId="0" nodeType="clickEffect">
+                                  <p:stCondLst>
+                                    <p:cond delay="0"/>
+                                  </p:stCondLst>
+                                  <p:childTnLst>
+                                    <p:set>
+                                      <p:cBhvr>
+                                        <p:cTn id="20" dur="1" fill="hold">
+                                          <p:stCondLst>
+                                            <p:cond delay="0"/>
+                                          </p:stCondLst>
+                                        </p:cTn>
+                                        <p:tgtEl>
+                                          <p:spTgt spid="21"/>
+                                        </p:tgtEl>
+                                        <p:attrNameLst>
+                                          <p:attrName>style.visibility</p:attrName>
+                                        </p:attrNameLst>
+                                      </p:cBhvr>
+                                      <p:to>
+                                        <p:strVal val="visible"/>
+                                      </p:to>
+                                    </p:set>
+                                  </p:childTnLst>
+                                </p:cTn>
+                              </p:par>
+                              <p:par>
+                                <p:cTn id="21" presetID="1" presetClass="entr" presetSubtype="0" fill="hold" grpId="0" nodeType="withEffect">
+                                  <p:stCondLst>
+                                    <p:cond delay="0"/>
+                                  </p:stCondLst>
+                                  <p:childTnLst>
+                                    <p:set>
+                                      <p:cBhvr>
+                                        <p:cTn id="22" dur="1" fill="hold">
+                                          <p:stCondLst>
+                                            <p:cond delay="0"/>
+                                          </p:stCondLst>
+                                        </p:cTn>
+                                        <p:tgtEl>
+                                          <p:spTgt spid="23"/>
+                                        </p:tgtEl>
+                                        <p:attrNameLst>
+                                          <p:attrName>style.visibility</p:attrName>
+                                        </p:attrNameLst>
+                                      </p:cBhvr>
+                                      <p:to>
+                                        <p:strVal val="visible"/>
+                                      </p:to>
+                                    </p:set>
+                                  </p:childTnLst>
+                                </p:cTn>
+                              </p:par>
+                            </p:childTnLst>
+                          </p:cTn>
+                        </p:par>
+                      </p:childTnLst>
+                    </p:cTn>
+                  </p:par>
+                  <p:par>
+                    <p:cTn id="23" fill="hold">
+                      <p:stCondLst>
+                        <p:cond delay="indefinite"/>
+                      </p:stCondLst>
+                      <p:childTnLst>
+                        <p:par>
+                          <p:cTn id="24" fill="hold">
+                            <p:stCondLst>
+                              <p:cond delay="0"/>
+                            </p:stCondLst>
+                            <p:childTnLst>
+                              <p:par>
+                                <p:cTn id="25" presetID="1" presetClass="exit" presetSubtype="0" fill="hold" grpId="1" nodeType="clickEffect">
+                                  <p:stCondLst>
+                                    <p:cond delay="0"/>
+                                  </p:stCondLst>
+                                  <p:childTnLst>
+                                    <p:set>
+                                      <p:cBhvr>
+                                        <p:cTn id="26" dur="1" fill="hold">
+                                          <p:stCondLst>
+                                            <p:cond delay="0"/>
+                                          </p:stCondLst>
+                                        </p:cTn>
+                                        <p:tgtEl>
+                                          <p:spTgt spid="15"/>
+                                        </p:tgtEl>
+                                        <p:attrNameLst>
+                                          <p:attrName>style.visibility</p:attrName>
+                                        </p:attrNameLst>
+                                      </p:cBhvr>
+                                      <p:to>
+                                        <p:strVal val="hidden"/>
+                                      </p:to>
+                                    </p:set>
+                                  </p:childTnLst>
+                                </p:cTn>
+                              </p:par>
+                              <p:par>
+                                <p:cTn id="27" presetID="1" presetClass="exit" presetSubtype="0" fill="hold" grpId="1" nodeType="withEffect">
+                                  <p:stCondLst>
+                                    <p:cond delay="0"/>
+                                  </p:stCondLst>
+                                  <p:childTnLst>
+                                    <p:set>
+                                      <p:cBhvr>
+                                        <p:cTn id="28" dur="1" fill="hold">
+                                          <p:stCondLst>
+                                            <p:cond delay="0"/>
+                                          </p:stCondLst>
+                                        </p:cTn>
+                                        <p:tgtEl>
+                                          <p:spTgt spid="11"/>
+                                        </p:tgtEl>
+                                        <p:attrNameLst>
+                                          <p:attrName>style.visibility</p:attrName>
+                                        </p:attrNameLst>
+                                      </p:cBhvr>
+                                      <p:to>
+                                        <p:strVal val="hidden"/>
+                                      </p:to>
+                                    </p:set>
+                                  </p:childTnLst>
+                                </p:cTn>
+                              </p:par>
+                              <p:par>
+                                <p:cTn id="29" presetID="1" presetClass="exit" presetSubtype="0" fill="hold" grpId="1" nodeType="withEffect">
+                                  <p:stCondLst>
+                                    <p:cond delay="0"/>
+                                  </p:stCondLst>
+                                  <p:childTnLst>
+                                    <p:set>
+                                      <p:cBhvr>
+                                        <p:cTn id="30" dur="1" fill="hold">
+                                          <p:stCondLst>
+                                            <p:cond delay="0"/>
+                                          </p:stCondLst>
+                                        </p:cTn>
+                                        <p:tgtEl>
+                                          <p:spTgt spid="17"/>
+                                        </p:tgtEl>
+                                        <p:attrNameLst>
+                                          <p:attrName>style.visibility</p:attrName>
+                                        </p:attrNameLst>
+                                      </p:cBhvr>
+                                      <p:to>
+                                        <p:strVal val="hidden"/>
+                                      </p:to>
+                                    </p:set>
+                                  </p:childTnLst>
+                                </p:cTn>
+                              </p:par>
+                              <p:par>
+                                <p:cTn id="31" presetID="1" presetClass="exit" presetSubtype="0" fill="hold" grpId="1" nodeType="withEffect">
+                                  <p:stCondLst>
+                                    <p:cond delay="0"/>
+                                  </p:stCondLst>
+                                  <p:childTnLst>
+                                    <p:set>
+                                      <p:cBhvr>
+                                        <p:cTn id="32" dur="1" fill="hold">
+                                          <p:stCondLst>
+                                            <p:cond delay="0"/>
+                                          </p:stCondLst>
+                                        </p:cTn>
+                                        <p:tgtEl>
+                                          <p:spTgt spid="18"/>
+                                        </p:tgtEl>
+                                        <p:attrNameLst>
+                                          <p:attrName>style.visibility</p:attrName>
+                                        </p:attrNameLst>
+                                      </p:cBhvr>
+                                      <p:to>
+                                        <p:strVal val="hidden"/>
+                                      </p:to>
+                                    </p:set>
+                                  </p:childTnLst>
+                                </p:cTn>
+                              </p:par>
+                              <p:par>
+                                <p:cTn id="33" presetID="1" presetClass="exit" presetSubtype="0" fill="hold" grpId="1" nodeType="withEffect">
+                                  <p:stCondLst>
+                                    <p:cond delay="0"/>
+                                  </p:stCondLst>
+                                  <p:childTnLst>
+                                    <p:set>
+                                      <p:cBhvr>
+                                        <p:cTn id="34" dur="1" fill="hold">
+                                          <p:stCondLst>
+                                            <p:cond delay="0"/>
+                                          </p:stCondLst>
+                                        </p:cTn>
+                                        <p:tgtEl>
+                                          <p:spTgt spid="19"/>
+                                        </p:tgtEl>
+                                        <p:attrNameLst>
+                                          <p:attrName>style.visibility</p:attrName>
+                                        </p:attrNameLst>
+                                      </p:cBhvr>
+                                      <p:to>
+                                        <p:strVal val="hidden"/>
+                                      </p:to>
+                                    </p:set>
+                                  </p:childTnLst>
+                                </p:cTn>
+                              </p:par>
+                              <p:par>
+                                <p:cTn id="35" presetID="1" presetClass="exit" presetSubtype="0" fill="hold" grpId="1" nodeType="withEffect">
+                                  <p:stCondLst>
+                                    <p:cond delay="0"/>
+                                  </p:stCondLst>
+                                  <p:childTnLst>
+                                    <p:set>
+                                      <p:cBhvr>
+                                        <p:cTn id="36" dur="1" fill="hold">
+                                          <p:stCondLst>
+                                            <p:cond delay="0"/>
+                                          </p:stCondLst>
+                                        </p:cTn>
+                                        <p:tgtEl>
+                                          <p:spTgt spid="21"/>
+                                        </p:tgtEl>
+                                        <p:attrNameLst>
+                                          <p:attrName>style.visibility</p:attrName>
+                                        </p:attrNameLst>
+                                      </p:cBhvr>
+                                      <p:to>
+                                        <p:strVal val="hidden"/>
+                                      </p:to>
+                                    </p:set>
+                                  </p:childTnLst>
+                                </p:cTn>
+                              </p:par>
+                              <p:par>
+                                <p:cTn id="37" presetID="1" presetClass="exit" presetSubtype="0" fill="hold" grpId="1" nodeType="withEffect">
+                                  <p:stCondLst>
+                                    <p:cond delay="0"/>
+                                  </p:stCondLst>
+                                  <p:childTnLst>
+                                    <p:set>
+                                      <p:cBhvr>
+                                        <p:cTn id="38" dur="1" fill="hold">
+                                          <p:stCondLst>
+                                            <p:cond delay="0"/>
+                                          </p:stCondLst>
+                                        </p:cTn>
+                                        <p:tgtEl>
+                                          <p:spTgt spid="23"/>
+                                        </p:tgtEl>
+                                        <p:attrNameLst>
+                                          <p:attrName>style.visibility</p:attrName>
+                                        </p:attrNameLst>
+                                      </p:cBhvr>
+                                      <p:to>
+                                        <p:strVal val="hidden"/>
+                                      </p:to>
+                                    </p:set>
+                                  </p:childTnLst>
+                                </p:cTn>
+                              </p:par>
+                              <p:par>
+                                <p:cTn id="39" presetID="1" presetClass="entr" presetSubtype="0" fill="hold" nodeType="withEffect">
+                                  <p:stCondLst>
+                                    <p:cond delay="0"/>
+                                  </p:stCondLst>
+                                  <p:childTnLst>
+                                    <p:set>
+                                      <p:cBhvr>
+                                        <p:cTn id="40" dur="1" fill="hold">
+                                          <p:stCondLst>
+                                            <p:cond delay="0"/>
+                                          </p:stCondLst>
+                                        </p:cTn>
+                                        <p:tgtEl>
+                                          <p:spTgt spid="7"/>
+                                        </p:tgtEl>
+                                        <p:attrNameLst>
+                                          <p:attrName>style.visibility</p:attrName>
+                                        </p:attrNameLst>
+                                      </p:cBhvr>
+                                      <p:to>
+                                        <p:strVal val="visible"/>
+                                      </p:to>
+                                    </p:set>
+                                  </p:childTnLst>
+                                </p:cTn>
+                              </p:par>
+                            </p:childTnLst>
+                          </p:cTn>
+                        </p:par>
+                      </p:childTnLst>
+                    </p:cTn>
+                  </p:par>
+                  <p:par>
+                    <p:cTn id="41" fill="hold">
+                      <p:stCondLst>
+                        <p:cond delay="indefinite"/>
+                      </p:stCondLst>
+                      <p:childTnLst>
+                        <p:par>
+                          <p:cTn id="42" fill="hold">
+                            <p:stCondLst>
+                              <p:cond delay="0"/>
+                            </p:stCondLst>
+                            <p:childTnLst>
+                              <p:par>
+                                <p:cTn id="43" presetID="1" presetClass="entr" presetSubtype="0" fill="hold" nodeType="clickEffect">
+                                  <p:stCondLst>
+                                    <p:cond delay="0"/>
+                                  </p:stCondLst>
+                                  <p:childTnLst>
+                                    <p:set>
+                                      <p:cBhvr>
+                                        <p:cTn id="44" dur="1" fill="hold">
+                                          <p:stCondLst>
+                                            <p:cond delay="0"/>
+                                          </p:stCondLst>
+                                        </p:cTn>
+                                        <p:tgtEl>
                                           <p:spTgt spid="6"/>
+                                        </p:tgtEl>
+                                        <p:attrNameLst>
+                                          <p:attrName>style.visibility</p:attrName>
+                                        </p:attrNameLst>
+                                      </p:cBhvr>
+                                      <p:to>
+                                        <p:strVal val="visible"/>
+                                      </p:to>
+                                    </p:set>
+                                  </p:childTnLst>
+                                </p:cTn>
+                              </p:par>
+                              <p:par>
+                                <p:cTn id="45" presetID="1" presetClass="entr" presetSubtype="0" fill="hold" nodeType="withEffect">
+                                  <p:stCondLst>
+                                    <p:cond delay="0"/>
+                                  </p:stCondLst>
+                                  <p:childTnLst>
+                                    <p:set>
+                                      <p:cBhvr>
+                                        <p:cTn id="46" dur="1" fill="hold">
+                                          <p:stCondLst>
+                                            <p:cond delay="0"/>
+                                          </p:stCondLst>
+                                        </p:cTn>
+                                        <p:tgtEl>
+                                          <p:spTgt spid="10"/>
                                         </p:tgtEl>
                                         <p:attrNameLst>
                                           <p:attrName>style.visibility</p:attrName>
@@ -3599,11 +4570,27 @@
         </p:cTn>
       </p:par>
     </p:tnLst>
+    <p:bldLst>
+      <p:bldP spid="15" grpId="0" animBg="1"/>
+      <p:bldP spid="15" grpId="1" animBg="1"/>
+      <p:bldP spid="17" grpId="0" animBg="1"/>
+      <p:bldP spid="17" grpId="1" animBg="1"/>
+      <p:bldP spid="18" grpId="0" animBg="1"/>
+      <p:bldP spid="18" grpId="1" animBg="1"/>
+      <p:bldP spid="19" grpId="0" animBg="1"/>
+      <p:bldP spid="19" grpId="1" animBg="1"/>
+      <p:bldP spid="21" grpId="0" animBg="1"/>
+      <p:bldP spid="21" grpId="1" animBg="1"/>
+      <p:bldP spid="23" grpId="0" animBg="1"/>
+      <p:bldP spid="23" grpId="1" animBg="1"/>
+      <p:bldP spid="11" grpId="0" animBg="1"/>
+      <p:bldP spid="11" grpId="1" animBg="1"/>
+    </p:bldLst>
   </p:timing>
 </p:sld>
 </file>
 
-<file path=ppt/slides/slide4.xml><?xml version="1.0" encoding="utf-8"?>
+<file path=ppt/slides/slide5.xml><?xml version="1.0" encoding="utf-8"?>
 <p:sld xmlns:a="http://schemas.openxmlformats.org/drawingml/2006/main" xmlns:r="http://schemas.openxmlformats.org/officeDocument/2006/relationships" xmlns:p="http://schemas.openxmlformats.org/presentationml/2006/main">
   <p:cSld>
     <p:spTree>
@@ -3635,6 +4622,10 @@
           <a:bodyPr/>
           <a:lstStyle/>
           <a:p>
+            <a:r>
+              <a:rPr lang="de-DE"/>
+              <a:t>Gamelogik - Calculation</a:t>
+            </a:r>
             <a:endParaRPr lang="de-DE"/>
           </a:p>
         </p:txBody>
@@ -3661,7 +4652,7 @@
         </p:blipFill>
         <p:spPr>
           <a:xfrm>
-            <a:off x="86296" y="2060848"/>
+            <a:off x="15304" y="1625108"/>
             <a:ext cx="9144000" cy="4133939"/>
           </a:xfrm>
           <a:prstGeom prst="rect">
@@ -3691,7 +4682,7 @@
         </p:blipFill>
         <p:spPr>
           <a:xfrm>
-            <a:off x="107504" y="2060848"/>
+            <a:off x="36512" y="1625108"/>
             <a:ext cx="9144000" cy="4324172"/>
           </a:xfrm>
           <a:prstGeom prst="rect">
@@ -3707,7 +4698,7 @@
         </p:nvSpPr>
         <p:spPr>
           <a:xfrm>
-            <a:off x="3635896" y="4437112"/>
+            <a:off x="3564904" y="4001372"/>
             <a:ext cx="1022400" cy="288032"/>
           </a:xfrm>
           <a:prstGeom prst="rect">
@@ -3758,7 +4749,7 @@
         </p:nvSpPr>
         <p:spPr>
           <a:xfrm>
-            <a:off x="1043608" y="2348880"/>
+            <a:off x="972616" y="1913140"/>
             <a:ext cx="3528392" cy="360040"/>
           </a:xfrm>
           <a:prstGeom prst="rect">
@@ -3809,7 +4800,7 @@
         </p:nvSpPr>
         <p:spPr>
           <a:xfrm>
-            <a:off x="1043608" y="2348880"/>
+            <a:off x="972616" y="1913140"/>
             <a:ext cx="7056784" cy="504056"/>
           </a:xfrm>
           <a:prstGeom prst="rect">
@@ -3852,6 +4843,94 @@
           </a:p>
         </p:txBody>
       </p:sp>
+      <p:pic>
+        <p:nvPicPr>
+          <p:cNvPr id="6" name="Grafik 5" descr="Bildschirmausschnitt"/>
+          <p:cNvPicPr>
+            <a:picLocks noChangeAspect="1"/>
+          </p:cNvPicPr>
+          <p:nvPr/>
+        </p:nvPicPr>
+        <p:blipFill rotWithShape="1">
+          <a:blip r:embed="rId4">
+            <a:extLst>
+              <a:ext uri="{28A0092B-C50C-407E-A947-70E740481C1C}">
+                <a14:useLocalDpi xmlns:a14="http://schemas.microsoft.com/office/drawing/2010/main" val="0"/>
+              </a:ext>
+            </a:extLst>
+          </a:blip>
+          <a:srcRect r="1125"/>
+          <a:stretch/>
+        </p:blipFill>
+        <p:spPr>
+          <a:xfrm>
+            <a:off x="47688" y="1556792"/>
+            <a:ext cx="8933880" cy="2371711"/>
+          </a:xfrm>
+          <a:prstGeom prst="rect">
+            <a:avLst/>
+          </a:prstGeom>
+          <a:effectLst>
+            <a:outerShdw blurRad="63500" sx="102000" sy="102000" algn="ctr" rotWithShape="0">
+              <a:prstClr val="black">
+                <a:alpha val="40000"/>
+              </a:prstClr>
+            </a:outerShdw>
+          </a:effectLst>
+        </p:spPr>
+      </p:pic>
+      <p:pic>
+        <p:nvPicPr>
+          <p:cNvPr id="9" name="Picture 26"/>
+          <p:cNvPicPr>
+            <a:picLocks noChangeAspect="1" noChangeArrowheads="1"/>
+          </p:cNvPicPr>
+          <p:nvPr/>
+        </p:nvPicPr>
+        <p:blipFill rotWithShape="1">
+          <a:blip r:embed="rId5">
+            <a:extLst>
+              <a:ext uri="{28A0092B-C50C-407E-A947-70E740481C1C}">
+                <a14:useLocalDpi xmlns:a14="http://schemas.microsoft.com/office/drawing/2010/main" val="0"/>
+              </a:ext>
+            </a:extLst>
+          </a:blip>
+          <a:srcRect l="64978" t="52361" r="17262" b="17703"/>
+          <a:stretch/>
+        </p:blipFill>
+        <p:spPr bwMode="auto">
+          <a:xfrm>
+            <a:off x="3029352" y="4867945"/>
+            <a:ext cx="3098783" cy="2089447"/>
+          </a:xfrm>
+          <a:prstGeom prst="rect">
+            <a:avLst/>
+          </a:prstGeom>
+          <a:noFill/>
+          <a:ln>
+            <a:noFill/>
+          </a:ln>
+          <a:extLst>
+            <a:ext uri="{909E8E84-426E-40DD-AFC4-6F175D3DCCD1}">
+              <a14:hiddenFill xmlns:a14="http://schemas.microsoft.com/office/drawing/2010/main">
+                <a:solidFill>
+                  <a:schemeClr val="accent1"/>
+                </a:solidFill>
+              </a14:hiddenFill>
+            </a:ext>
+            <a:ext uri="{91240B29-F687-4F45-9708-019B960494DF}">
+              <a14:hiddenLine xmlns:a14="http://schemas.microsoft.com/office/drawing/2010/main" w="9525">
+                <a:solidFill>
+                  <a:schemeClr val="tx1"/>
+                </a:solidFill>
+                <a:miter lim="800000"/>
+                <a:headEnd/>
+                <a:tailEnd/>
+              </a14:hiddenLine>
+            </a:ext>
+          </a:extLst>
+        </p:spPr>
+      </p:pic>
     </p:spTree>
     <p:extLst>
       <p:ext uri="{BB962C8B-B14F-4D97-AF65-F5344CB8AC3E}">
@@ -3976,7 +5055,7 @@
                             </p:stCondLst>
                             <p:childTnLst>
                               <p:par>
-                                <p:cTn id="13" presetID="1" presetClass="entr" presetSubtype="0" fill="hold" grpId="0" nodeType="clickEffect">
+                                <p:cTn id="13" presetID="1" presetClass="entr" presetSubtype="0" fill="hold" nodeType="clickEffect">
                                   <p:stCondLst>
                                     <p:cond delay="0"/>
                                   </p:stCondLst>
@@ -3989,7 +5068,7 @@
                                           </p:stCondLst>
                                         </p:cTn>
                                         <p:tgtEl>
-                                          <p:spTgt spid="7"/>
+                                          <p:spTgt spid="6"/>
                                         </p:tgtEl>
                                         <p:attrNameLst>
                                           <p:attrName>style.visibility</p:attrName>
@@ -4021,7 +5100,7 @@
                             </p:stCondLst>
                             <p:childTnLst>
                               <p:par>
-                                <p:cTn id="17" presetID="1" presetClass="entr" presetSubtype="0" fill="hold" nodeType="clickEffect">
+                                <p:cTn id="17" presetID="1" presetClass="entr" presetSubtype="0" fill="hold" grpId="0" nodeType="clickEffect">
                                   <p:stCondLst>
                                     <p:cond delay="0"/>
                                   </p:stCondLst>
@@ -4029,6 +5108,78 @@
                                     <p:set>
                                       <p:cBhvr>
                                         <p:cTn id="18" dur="1" fill="hold">
+                                          <p:stCondLst>
+                                            <p:cond delay="0"/>
+                                          </p:stCondLst>
+                                        </p:cTn>
+                                        <p:tgtEl>
+                                          <p:spTgt spid="7"/>
+                                        </p:tgtEl>
+                                        <p:attrNameLst>
+                                          <p:attrName>style.visibility</p:attrName>
+                                        </p:attrNameLst>
+                                      </p:cBhvr>
+                                      <p:to>
+                                        <p:strVal val="visible"/>
+                                      </p:to>
+                                    </p:set>
+                                  </p:childTnLst>
+                                </p:cTn>
+                              </p:par>
+                              <p:par>
+                                <p:cTn id="19" presetID="1" presetClass="exit" presetSubtype="0" fill="hold" nodeType="withEffect">
+                                  <p:stCondLst>
+                                    <p:cond delay="0"/>
+                                  </p:stCondLst>
+                                  <p:childTnLst>
+                                    <p:set>
+                                      <p:cBhvr>
+                                        <p:cTn id="20" dur="1" fill="hold">
+                                          <p:stCondLst>
+                                            <p:cond delay="0"/>
+                                          </p:stCondLst>
+                                        </p:cTn>
+                                        <p:tgtEl>
+                                          <p:spTgt spid="6"/>
+                                        </p:tgtEl>
+                                        <p:attrNameLst>
+                                          <p:attrName>style.visibility</p:attrName>
+                                        </p:attrNameLst>
+                                      </p:cBhvr>
+                                      <p:to>
+                                        <p:strVal val="hidden"/>
+                                      </p:to>
+                                    </p:set>
+                                  </p:childTnLst>
+                                </p:cTn>
+                              </p:par>
+                            </p:childTnLst>
+                          </p:cTn>
+                        </p:par>
+                      </p:childTnLst>
+                    </p:cTn>
+                  </p:par>
+                  <p:par>
+                    <p:cTn id="21" fill="hold">
+                      <p:stCondLst>
+                        <p:cond delay="indefinite"/>
+                      </p:stCondLst>
+                      <p:childTnLst>
+                        <p:par>
+                          <p:cTn id="22" fill="hold">
+                            <p:stCondLst>
+                              <p:cond delay="0"/>
+                            </p:stCondLst>
+                            <p:childTnLst>
+                              <p:par>
+                                <p:cTn id="23" presetID="1" presetClass="entr" presetSubtype="0" fill="hold" nodeType="clickEffect">
+                                  <p:stCondLst>
+                                    <p:cond delay="0"/>
+                                  </p:stCondLst>
+                                  <p:childTnLst>
+                                    <p:set>
+                                      <p:cBhvr>
+                                        <p:cTn id="24" dur="1" fill="hold">
                                           <p:stCondLst>
                                             <p:cond delay="0"/>
                                           </p:stCondLst>
@@ -4048,14 +5199,14 @@
                                 </p:cTn>
                               </p:par>
                               <p:par>
-                                <p:cTn id="19" presetID="1" presetClass="exit" presetSubtype="0" fill="hold" grpId="1" nodeType="withEffect">
+                                <p:cTn id="25" presetID="1" presetClass="exit" presetSubtype="0" fill="hold" grpId="1" nodeType="withEffect">
                                   <p:stCondLst>
                                     <p:cond delay="0"/>
                                   </p:stCondLst>
                                   <p:childTnLst>
                                     <p:set>
                                       <p:cBhvr>
-                                        <p:cTn id="20" dur="1" fill="hold">
+                                        <p:cTn id="26" dur="1" fill="hold">
                                           <p:stCondLst>
                                             <p:cond delay="0"/>
                                           </p:stCondLst>
@@ -4075,14 +5226,14 @@
                                 </p:cTn>
                               </p:par>
                               <p:par>
-                                <p:cTn id="21" presetID="1" presetClass="exit" presetSubtype="0" fill="hold" grpId="1" nodeType="withEffect">
+                                <p:cTn id="27" presetID="1" presetClass="exit" presetSubtype="0" fill="hold" grpId="1" nodeType="withEffect">
                                   <p:stCondLst>
                                     <p:cond delay="0"/>
                                   </p:stCondLst>
                                   <p:childTnLst>
                                     <p:set>
                                       <p:cBhvr>
-                                        <p:cTn id="22" dur="1" fill="hold">
+                                        <p:cTn id="28" dur="1" fill="hold">
                                           <p:stCondLst>
                                             <p:cond delay="0"/>
                                           </p:stCondLst>
@@ -4102,14 +5253,14 @@
                                 </p:cTn>
                               </p:par>
                               <p:par>
-                                <p:cTn id="23" presetID="1" presetClass="exit" presetSubtype="0" fill="hold" nodeType="withEffect">
+                                <p:cTn id="29" presetID="1" presetClass="exit" presetSubtype="0" fill="hold" nodeType="withEffect">
                                   <p:stCondLst>
                                     <p:cond delay="0"/>
                                   </p:stCondLst>
                                   <p:childTnLst>
                                     <p:set>
                                       <p:cBhvr>
-                                        <p:cTn id="24" dur="1" fill="hold">
+                                        <p:cTn id="30" dur="1" fill="hold">
                                           <p:stCondLst>
                                             <p:cond delay="0"/>
                                           </p:stCondLst>
@@ -4128,33 +5279,15 @@
                                   </p:childTnLst>
                                 </p:cTn>
                               </p:par>
-                            </p:childTnLst>
-                          </p:cTn>
-                        </p:par>
-                      </p:childTnLst>
-                    </p:cTn>
-                  </p:par>
-                  <p:par>
-                    <p:cTn id="25" fill="hold">
-                      <p:stCondLst>
-                        <p:cond delay="indefinite"/>
-                      </p:stCondLst>
-                      <p:childTnLst>
-                        <p:par>
-                          <p:cTn id="26" fill="hold">
-                            <p:stCondLst>
-                              <p:cond delay="0"/>
-                            </p:stCondLst>
-                            <p:childTnLst>
                               <p:par>
-                                <p:cTn id="27" presetID="1" presetClass="entr" presetSubtype="0" fill="hold" grpId="0" nodeType="clickEffect">
+                                <p:cTn id="31" presetID="1" presetClass="entr" presetSubtype="0" fill="hold" grpId="0" nodeType="withEffect">
                                   <p:stCondLst>
                                     <p:cond delay="0"/>
                                   </p:stCondLst>
                                   <p:childTnLst>
                                     <p:set>
                                       <p:cBhvr>
-                                        <p:cTn id="28" dur="1" fill="hold">
+                                        <p:cTn id="32" dur="1" fill="hold">
                                           <p:stCondLst>
                                             <p:cond delay="0"/>
                                           </p:stCondLst>
@@ -4211,7 +5344,7 @@
 </p:sld>
 </file>
 
-<file path=ppt/slides/slide5.xml><?xml version="1.0" encoding="utf-8"?>
+<file path=ppt/slides/slide6.xml><?xml version="1.0" encoding="utf-8"?>
 <p:sld xmlns:a="http://schemas.openxmlformats.org/drawingml/2006/main" xmlns:r="http://schemas.openxmlformats.org/officeDocument/2006/relationships" xmlns:p="http://schemas.openxmlformats.org/presentationml/2006/main">
   <p:cSld>
     <p:spTree>
@@ -4474,74 +5607,91 @@
             </a:lvl9pPr>
           </a:lstStyle>
           <a:p>
-            <a:r>
-              <a:rPr lang="de-DE" altLang="de-DE"/>
-              <a:t>Kompatibilität Browser </a:t>
-            </a:r>
-            <a:endParaRPr lang="de-DE" altLang="de-DE" smtClean="0"/>
-          </a:p>
-          <a:p>
-            <a:pPr lvl="1"/>
+            <a:pPr>
+              <a:lnSpc>
+                <a:spcPct val="150000"/>
+              </a:lnSpc>
+            </a:pPr>
             <a:r>
               <a:rPr lang="de-DE" altLang="de-DE" smtClean="0"/>
-              <a:t>i. d. R. problematisch</a:t>
+              <a:t>Hervorragende Objektorientierung</a:t>
             </a:r>
           </a:p>
           <a:p>
-            <a:pPr lvl="1"/>
+            <a:pPr>
+              <a:lnSpc>
+                <a:spcPct val="150000"/>
+              </a:lnSpc>
+            </a:pPr>
             <a:r>
               <a:rPr lang="de-DE" altLang="de-DE" smtClean="0"/>
-              <a:t>durch Verwendung von Standards gelungen</a:t>
+              <a:t>Transparente Objekthaltung</a:t>
             </a:r>
           </a:p>
           <a:p>
-            <a:pPr lvl="2"/>
+            <a:pPr>
+              <a:lnSpc>
+                <a:spcPct val="150000"/>
+              </a:lnSpc>
+            </a:pPr>
             <a:r>
               <a:rPr lang="de-DE" altLang="de-DE" smtClean="0"/>
-              <a:t>Firefox, Internet Explorer, Chrome, Safari (Mac, iPad, iPhone)</a:t>
+              <a:t>Performance – Probleme</a:t>
             </a:r>
           </a:p>
           <a:p>
+            <a:pPr>
+              <a:lnSpc>
+                <a:spcPct val="150000"/>
+              </a:lnSpc>
+            </a:pPr>
             <a:r>
               <a:rPr lang="de-DE" altLang="de-DE" smtClean="0"/>
-              <a:t>Hoster für Python</a:t>
+              <a:t>schnelle &amp; zuverlässige Netzwerkverbindung erforderlich</a:t>
             </a:r>
           </a:p>
           <a:p>
-            <a:pPr lvl="1"/>
+            <a:pPr>
+              <a:lnSpc>
+                <a:spcPct val="150000"/>
+              </a:lnSpc>
+            </a:pPr>
             <a:r>
               <a:rPr lang="de-DE" altLang="de-DE" smtClean="0"/>
-              <a:t>Prozess muss ständig laufen </a:t>
+              <a:t>schwer durchschaubarer Kontrollfluss </a:t>
             </a:r>
-            <a:r>
-              <a:rPr lang="de-DE" altLang="de-DE" smtClean="0">
-                <a:sym typeface="Wingdings" panose="05000000000000000000" pitchFamily="2" charset="2"/>
-              </a:rPr>
-              <a:t> nicht erwünscht</a:t>
-            </a:r>
-          </a:p>
-          <a:p>
-            <a:r>
-              <a:rPr lang="de-DE" altLang="de-DE" smtClean="0">
-                <a:sym typeface="Wingdings" panose="05000000000000000000" pitchFamily="2" charset="2"/>
-              </a:rPr>
-              <a:t>Fazit</a:t>
-            </a:r>
-            <a:endParaRPr lang="de-DE" altLang="de-DE" smtClean="0"/>
-          </a:p>
-          <a:p>
-            <a:pPr lvl="1"/>
+          </a:p>
+          <a:p>
+            <a:pPr>
+              <a:lnSpc>
+                <a:spcPct val="150000"/>
+              </a:lnSpc>
+            </a:pPr>
             <a:r>
               <a:rPr lang="de-DE" altLang="de-DE" smtClean="0"/>
-              <a:t>durch Websockets kann Server Nachrichten an Clients schicken</a:t>
+              <a:t>enorme Möglichkeiten</a:t>
             </a:r>
-            <a:endParaRPr lang="de-DE" altLang="de-DE" dirty="0"/>
-          </a:p>
-          <a:p>
-            <a:pPr lvl="1"/>
+          </a:p>
+          <a:p>
+            <a:pPr>
+              <a:lnSpc>
+                <a:spcPct val="150000"/>
+              </a:lnSpc>
+            </a:pPr>
             <a:r>
               <a:rPr lang="de-DE" altLang="de-DE" smtClean="0"/>
-              <a:t>Mehrspieler funktioniert auch ohne proprietäre Technologien</a:t>
+              <a:t>enorme Komplexität </a:t>
+            </a:r>
+          </a:p>
+          <a:p>
+            <a:pPr>
+              <a:lnSpc>
+                <a:spcPct val="150000"/>
+              </a:lnSpc>
+            </a:pPr>
+            <a:r>
+              <a:rPr lang="de-DE" altLang="de-DE" smtClean="0"/>
+              <a:t>schwer zu „debuggen“</a:t>
             </a:r>
           </a:p>
         </p:txBody>
@@ -4607,15 +5757,33 @@
                                   </p:childTnLst>
                                 </p:cTn>
                               </p:par>
+                            </p:childTnLst>
+                          </p:cTn>
+                        </p:par>
+                      </p:childTnLst>
+                    </p:cTn>
+                  </p:par>
+                  <p:par>
+                    <p:cTn id="7" fill="hold">
+                      <p:stCondLst>
+                        <p:cond delay="indefinite"/>
+                      </p:stCondLst>
+                      <p:childTnLst>
+                        <p:par>
+                          <p:cTn id="8" fill="hold">
+                            <p:stCondLst>
+                              <p:cond delay="0"/>
+                            </p:stCondLst>
+                            <p:childTnLst>
                               <p:par>
-                                <p:cTn id="7" presetID="1" presetClass="entr" presetSubtype="0" fill="hold" nodeType="withEffect">
+                                <p:cTn id="9" presetID="1" presetClass="entr" presetSubtype="0" fill="hold" nodeType="clickEffect">
                                   <p:stCondLst>
                                     <p:cond delay="0"/>
                                   </p:stCondLst>
                                   <p:childTnLst>
                                     <p:set>
                                       <p:cBhvr>
-                                        <p:cTn id="8" dur="1" fill="hold">
+                                        <p:cTn id="10" dur="1" fill="hold">
                                           <p:stCondLst>
                                             <p:cond delay="0"/>
                                           </p:stCondLst>
@@ -4638,15 +5806,33 @@
                                   </p:childTnLst>
                                 </p:cTn>
                               </p:par>
+                            </p:childTnLst>
+                          </p:cTn>
+                        </p:par>
+                      </p:childTnLst>
+                    </p:cTn>
+                  </p:par>
+                  <p:par>
+                    <p:cTn id="11" fill="hold">
+                      <p:stCondLst>
+                        <p:cond delay="indefinite"/>
+                      </p:stCondLst>
+                      <p:childTnLst>
+                        <p:par>
+                          <p:cTn id="12" fill="hold">
+                            <p:stCondLst>
+                              <p:cond delay="0"/>
+                            </p:stCondLst>
+                            <p:childTnLst>
                               <p:par>
-                                <p:cTn id="9" presetID="1" presetClass="entr" presetSubtype="0" fill="hold" nodeType="withEffect">
+                                <p:cTn id="13" presetID="1" presetClass="entr" presetSubtype="0" fill="hold" nodeType="clickEffect">
                                   <p:stCondLst>
                                     <p:cond delay="0"/>
                                   </p:stCondLst>
                                   <p:childTnLst>
                                     <p:set>
                                       <p:cBhvr>
-                                        <p:cTn id="10" dur="1" fill="hold">
+                                        <p:cTn id="14" dur="1" fill="hold">
                                           <p:stCondLst>
                                             <p:cond delay="0"/>
                                           </p:stCondLst>
@@ -4669,37 +5855,6 @@
                                   </p:childTnLst>
                                 </p:cTn>
                               </p:par>
-                              <p:par>
-                                <p:cTn id="11" presetID="1" presetClass="entr" presetSubtype="0" fill="hold" nodeType="withEffect">
-                                  <p:stCondLst>
-                                    <p:cond delay="0"/>
-                                  </p:stCondLst>
-                                  <p:childTnLst>
-                                    <p:set>
-                                      <p:cBhvr>
-                                        <p:cTn id="12" dur="1" fill="hold">
-                                          <p:stCondLst>
-                                            <p:cond delay="0"/>
-                                          </p:stCondLst>
-                                        </p:cTn>
-                                        <p:tgtEl>
-                                          <p:spTgt spid="3">
-                                            <p:txEl>
-                                              <p:pRg st="3" end="3"/>
-                                            </p:txEl>
-                                          </p:spTgt>
-                                        </p:tgtEl>
-                                        <p:attrNameLst>
-                                          <p:attrName>style.visibility</p:attrName>
-                                        </p:attrNameLst>
-                                      </p:cBhvr>
-                                      <p:to>
-                                        <p:strVal val="visible"/>
-                                      </p:to>
-                                    </p:set>
-                                  </p:childTnLst>
-                                </p:cTn>
-                              </p:par>
                             </p:childTnLst>
                           </p:cTn>
                         </p:par>
@@ -4707,50 +5862,19 @@
                     </p:cTn>
                   </p:par>
                   <p:par>
-                    <p:cTn id="13" fill="hold">
+                    <p:cTn id="15" fill="hold">
                       <p:stCondLst>
                         <p:cond delay="indefinite"/>
                       </p:stCondLst>
                       <p:childTnLst>
                         <p:par>
-                          <p:cTn id="14" fill="hold">
+                          <p:cTn id="16" fill="hold">
                             <p:stCondLst>
                               <p:cond delay="0"/>
                             </p:stCondLst>
                             <p:childTnLst>
                               <p:par>
-                                <p:cTn id="15" presetID="1" presetClass="entr" presetSubtype="0" fill="hold" nodeType="clickEffect">
-                                  <p:stCondLst>
-                                    <p:cond delay="0"/>
-                                  </p:stCondLst>
-                                  <p:childTnLst>
-                                    <p:set>
-                                      <p:cBhvr>
-                                        <p:cTn id="16" dur="1" fill="hold">
-                                          <p:stCondLst>
-                                            <p:cond delay="0"/>
-                                          </p:stCondLst>
-                                        </p:cTn>
-                                        <p:tgtEl>
-                                          <p:spTgt spid="3">
-                                            <p:txEl>
-                                              <p:pRg st="4" end="4"/>
-                                            </p:txEl>
-                                          </p:spTgt>
-                                        </p:tgtEl>
-                                        <p:attrNameLst>
-                                          <p:attrName>style.visibility</p:attrName>
-                                        </p:attrNameLst>
-                                      </p:cBhvr>
-                                      <p:to>
-                                        <p:strVal val="visible"/>
-                                      </p:to>
-                                    </p:set>
-                                  </p:childTnLst>
-                                </p:cTn>
-                              </p:par>
-                              <p:par>
-                                <p:cTn id="17" presetID="1" presetClass="entr" presetSubtype="0" fill="hold" nodeType="withEffect">
+                                <p:cTn id="17" presetID="1" presetClass="entr" presetSubtype="0" fill="hold" nodeType="clickEffect">
                                   <p:stCondLst>
                                     <p:cond delay="0"/>
                                   </p:stCondLst>
@@ -4765,7 +5889,7 @@
                                         <p:tgtEl>
                                           <p:spTgt spid="3">
                                             <p:txEl>
-                                              <p:pRg st="5" end="5"/>
+                                              <p:pRg st="3" end="3"/>
                                             </p:txEl>
                                           </p:spTgt>
                                         </p:tgtEl>
@@ -4814,6 +5938,104 @@
                                         <p:tgtEl>
                                           <p:spTgt spid="3">
                                             <p:txEl>
+                                              <p:pRg st="4" end="4"/>
+                                            </p:txEl>
+                                          </p:spTgt>
+                                        </p:tgtEl>
+                                        <p:attrNameLst>
+                                          <p:attrName>style.visibility</p:attrName>
+                                        </p:attrNameLst>
+                                      </p:cBhvr>
+                                      <p:to>
+                                        <p:strVal val="visible"/>
+                                      </p:to>
+                                    </p:set>
+                                  </p:childTnLst>
+                                </p:cTn>
+                              </p:par>
+                            </p:childTnLst>
+                          </p:cTn>
+                        </p:par>
+                      </p:childTnLst>
+                    </p:cTn>
+                  </p:par>
+                  <p:par>
+                    <p:cTn id="23" fill="hold">
+                      <p:stCondLst>
+                        <p:cond delay="indefinite"/>
+                      </p:stCondLst>
+                      <p:childTnLst>
+                        <p:par>
+                          <p:cTn id="24" fill="hold">
+                            <p:stCondLst>
+                              <p:cond delay="0"/>
+                            </p:stCondLst>
+                            <p:childTnLst>
+                              <p:par>
+                                <p:cTn id="25" presetID="1" presetClass="entr" presetSubtype="0" fill="hold" nodeType="clickEffect">
+                                  <p:stCondLst>
+                                    <p:cond delay="0"/>
+                                  </p:stCondLst>
+                                  <p:childTnLst>
+                                    <p:set>
+                                      <p:cBhvr>
+                                        <p:cTn id="26" dur="1" fill="hold">
+                                          <p:stCondLst>
+                                            <p:cond delay="0"/>
+                                          </p:stCondLst>
+                                        </p:cTn>
+                                        <p:tgtEl>
+                                          <p:spTgt spid="3">
+                                            <p:txEl>
+                                              <p:pRg st="5" end="5"/>
+                                            </p:txEl>
+                                          </p:spTgt>
+                                        </p:tgtEl>
+                                        <p:attrNameLst>
+                                          <p:attrName>style.visibility</p:attrName>
+                                        </p:attrNameLst>
+                                      </p:cBhvr>
+                                      <p:to>
+                                        <p:strVal val="visible"/>
+                                      </p:to>
+                                    </p:set>
+                                  </p:childTnLst>
+                                </p:cTn>
+                              </p:par>
+                            </p:childTnLst>
+                          </p:cTn>
+                        </p:par>
+                      </p:childTnLst>
+                    </p:cTn>
+                  </p:par>
+                  <p:par>
+                    <p:cTn id="27" fill="hold">
+                      <p:stCondLst>
+                        <p:cond delay="indefinite"/>
+                      </p:stCondLst>
+                      <p:childTnLst>
+                        <p:par>
+                          <p:cTn id="28" fill="hold">
+                            <p:stCondLst>
+                              <p:cond delay="0"/>
+                            </p:stCondLst>
+                            <p:childTnLst>
+                              <p:par>
+                                <p:cTn id="29" presetID="1" presetClass="entr" presetSubtype="0" fill="hold" nodeType="clickEffect">
+                                  <p:stCondLst>
+                                    <p:cond delay="0"/>
+                                  </p:stCondLst>
+                                  <p:childTnLst>
+                                    <p:set>
+                                      <p:cBhvr>
+                                        <p:cTn id="30" dur="1" fill="hold">
+                                          <p:stCondLst>
+                                            <p:cond delay="0"/>
+                                          </p:stCondLst>
+                                        </p:cTn>
+                                        <p:tgtEl>
+                                          <p:spTgt spid="3">
+                                            <p:txEl>
                                               <p:pRg st="6" end="6"/>
                                             </p:txEl>
                                           </p:spTgt>
@@ -4829,15 +6051,33 @@
                                   </p:childTnLst>
                                 </p:cTn>
                               </p:par>
+                            </p:childTnLst>
+                          </p:cTn>
+                        </p:par>
+                      </p:childTnLst>
+                    </p:cTn>
+                  </p:par>
+                  <p:par>
+                    <p:cTn id="31" fill="hold">
+                      <p:stCondLst>
+                        <p:cond delay="indefinite"/>
+                      </p:stCondLst>
+                      <p:childTnLst>
+                        <p:par>
+                          <p:cTn id="32" fill="hold">
+                            <p:stCondLst>
+                              <p:cond delay="0"/>
+                            </p:stCondLst>
+                            <p:childTnLst>
                               <p:par>
-                                <p:cTn id="23" presetID="1" presetClass="entr" presetSubtype="0" fill="hold" nodeType="withEffect">
+                                <p:cTn id="33" presetID="1" presetClass="entr" presetSubtype="0" fill="hold" nodeType="clickEffect">
                                   <p:stCondLst>
                                     <p:cond delay="0"/>
                                   </p:stCondLst>
                                   <p:childTnLst>
                                     <p:set>
                                       <p:cBhvr>
-                                        <p:cTn id="24" dur="1" fill="hold">
+                                        <p:cTn id="34" dur="1" fill="hold">
                                           <p:stCondLst>
                                             <p:cond delay="0"/>
                                           </p:stCondLst>
@@ -4846,37 +6086,6 @@
                                           <p:spTgt spid="3">
                                             <p:txEl>
                                               <p:pRg st="7" end="7"/>
-                                            </p:txEl>
-                                          </p:spTgt>
-                                        </p:tgtEl>
-                                        <p:attrNameLst>
-                                          <p:attrName>style.visibility</p:attrName>
-                                        </p:attrNameLst>
-                                      </p:cBhvr>
-                                      <p:to>
-                                        <p:strVal val="visible"/>
-                                      </p:to>
-                                    </p:set>
-                                  </p:childTnLst>
-                                </p:cTn>
-                              </p:par>
-                              <p:par>
-                                <p:cTn id="25" presetID="1" presetClass="entr" presetSubtype="0" fill="hold" nodeType="withEffect">
-                                  <p:stCondLst>
-                                    <p:cond delay="0"/>
-                                  </p:stCondLst>
-                                  <p:childTnLst>
-                                    <p:set>
-                                      <p:cBhvr>
-                                        <p:cTn id="26" dur="1" fill="hold">
-                                          <p:stCondLst>
-                                            <p:cond delay="0"/>
-                                          </p:stCondLst>
-                                        </p:cTn>
-                                        <p:tgtEl>
-                                          <p:spTgt spid="3">
-                                            <p:txEl>
-                                              <p:pRg st="8" end="8"/>
                                             </p:txEl>
                                           </p:spTgt>
                                         </p:tgtEl>
@@ -4922,7 +6131,7 @@
 </p:sld>
 </file>
 
-<file path=ppt/slides/slide6.xml><?xml version="1.0" encoding="utf-8"?>
+<file path=ppt/slides/slide7.xml><?xml version="1.0" encoding="utf-8"?>
 <p:sld xmlns:a="http://schemas.openxmlformats.org/drawingml/2006/main" xmlns:r="http://schemas.openxmlformats.org/officeDocument/2006/relationships" xmlns:p="http://schemas.openxmlformats.org/presentationml/2006/main">
   <p:cSld>
     <p:spTree>
@@ -5045,7 +6254,7 @@
 </p:sld>
 </file>
 
-<file path=ppt/slides/slide7.xml><?xml version="1.0" encoding="utf-8"?>
+<file path=ppt/slides/slide8.xml><?xml version="1.0" encoding="utf-8"?>
 <p:sld xmlns:a="http://schemas.openxmlformats.org/drawingml/2006/main" xmlns:r="http://schemas.openxmlformats.org/officeDocument/2006/relationships" xmlns:p="http://schemas.openxmlformats.org/presentationml/2006/main">
   <p:cSld>
     <p:spTree>
@@ -5412,1792 +6621,6 @@
         <p:cTn id="1" dur="indefinite" restart="never" nodeType="tmRoot"/>
       </p:par>
     </p:tnLst>
-  </p:timing>
-</p:sld>
-</file>
-
-<file path=ppt/slides/slide8.xml><?xml version="1.0" encoding="utf-8"?>
-<p:sld xmlns:a="http://schemas.openxmlformats.org/drawingml/2006/main" xmlns:r="http://schemas.openxmlformats.org/officeDocument/2006/relationships" xmlns:p="http://schemas.openxmlformats.org/presentationml/2006/main">
-  <p:cSld>
-    <p:spTree>
-      <p:nvGrpSpPr>
-        <p:cNvPr id="1" name=""/>
-        <p:cNvGrpSpPr/>
-        <p:nvPr/>
-      </p:nvGrpSpPr>
-      <p:grpSpPr>
-        <a:xfrm>
-          <a:off x="0" y="0"/>
-          <a:ext cx="0" cy="0"/>
-          <a:chOff x="0" y="0"/>
-          <a:chExt cx="0" cy="0"/>
-        </a:xfrm>
-      </p:grpSpPr>
-      <p:sp>
-        <p:nvSpPr>
-          <p:cNvPr id="2" name="Titel 1"/>
-          <p:cNvSpPr>
-            <a:spLocks noGrp="1"/>
-          </p:cNvSpPr>
-          <p:nvPr>
-            <p:ph type="title"/>
-          </p:nvPr>
-        </p:nvSpPr>
-        <p:spPr/>
-        <p:txBody>
-          <a:bodyPr/>
-          <a:lstStyle/>
-          <a:p>
-            <a:r>
-              <a:rPr lang="de-DE" dirty="0" smtClean="0"/>
-              <a:t>Gamelogik - </a:t>
-            </a:r>
-            <a:r>
-              <a:rPr lang="de-DE" dirty="0" err="1" smtClean="0"/>
-              <a:t>MatchBuilder</a:t>
-            </a:r>
-            <a:endParaRPr lang="de-DE" dirty="0"/>
-          </a:p>
-        </p:txBody>
-      </p:sp>
-      <p:graphicFrame>
-        <p:nvGraphicFramePr>
-          <p:cNvPr id="4" name="CDMatchBuilder"/>
-          <p:cNvGraphicFramePr>
-            <a:graphicFrameLocks noChangeAspect="1"/>
-          </p:cNvGraphicFramePr>
-          <p:nvPr>
-            <p:extLst>
-              <p:ext uri="{D42A27DB-BD31-4B8C-83A1-F6EECF244321}">
-                <p14:modId xmlns:p14="http://schemas.microsoft.com/office/powerpoint/2010/main" val="1005948275"/>
-              </p:ext>
-            </p:extLst>
-          </p:nvPr>
-        </p:nvGraphicFramePr>
-        <p:xfrm>
-          <a:off x="2385148" y="2728720"/>
-          <a:ext cx="4373705" cy="2112235"/>
-        </p:xfrm>
-        <a:graphic>
-          <a:graphicData uri="http://schemas.openxmlformats.org/presentationml/2006/ole">
-            <mc:AlternateContent xmlns:mc="http://schemas.openxmlformats.org/markup-compatibility/2006">
-              <mc:Choice xmlns:v="urn:schemas-microsoft-com:vml" Requires="v">
-                <p:oleObj spid="_x0000_s1071" name="Visio" r:id="rId4" imgW="2419246" imgH="876484" progId="Visio.Drawing.15">
-                  <p:embed/>
-                </p:oleObj>
-              </mc:Choice>
-              <mc:Fallback>
-                <p:oleObj name="Visio" r:id="rId4" imgW="2419246" imgH="876484" progId="Visio.Drawing.15">
-                  <p:embed/>
-                  <p:pic>
-                    <p:nvPicPr>
-                      <p:cNvPr id="0" name=""/>
-                      <p:cNvPicPr/>
-                      <p:nvPr/>
-                    </p:nvPicPr>
-                    <p:blipFill>
-                      <a:blip r:embed="rId5"/>
-                      <a:stretch>
-                        <a:fillRect/>
-                      </a:stretch>
-                    </p:blipFill>
-                    <p:spPr>
-                      <a:xfrm>
-                        <a:off x="2385148" y="2728720"/>
-                        <a:ext cx="4373705" cy="2112235"/>
-                      </a:xfrm>
-                      <a:prstGeom prst="rect">
-                        <a:avLst/>
-                      </a:prstGeom>
-                    </p:spPr>
-                  </p:pic>
-                </p:oleObj>
-              </mc:Fallback>
-            </mc:AlternateContent>
-          </a:graphicData>
-        </a:graphic>
-      </p:graphicFrame>
-      <p:sp>
-        <p:nvSpPr>
-          <p:cNvPr id="8" name="Rechteck 7"/>
-          <p:cNvSpPr/>
-          <p:nvPr/>
-        </p:nvSpPr>
-        <p:spPr>
-          <a:xfrm>
-            <a:off x="3491880" y="5481693"/>
-            <a:ext cx="2160240" cy="1211671"/>
-          </a:xfrm>
-          <a:prstGeom prst="rect">
-            <a:avLst/>
-          </a:prstGeom>
-          <a:solidFill>
-            <a:schemeClr val="bg2"/>
-          </a:solidFill>
-          <a:ln>
-            <a:solidFill>
-              <a:schemeClr val="tx1"/>
-            </a:solidFill>
-            <a:tailEnd type="arrow"/>
-          </a:ln>
-        </p:spPr>
-        <p:style>
-          <a:lnRef idx="1">
-            <a:schemeClr val="accent1"/>
-          </a:lnRef>
-          <a:fillRef idx="0">
-            <a:schemeClr val="accent1"/>
-          </a:fillRef>
-          <a:effectRef idx="0">
-            <a:schemeClr val="accent1"/>
-          </a:effectRef>
-          <a:fontRef idx="minor">
-            <a:schemeClr val="tx1"/>
-          </a:fontRef>
-        </p:style>
-        <p:txBody>
-          <a:bodyPr rtlCol="0" anchor="ctr"/>
-          <a:lstStyle/>
-          <a:p>
-            <a:pPr algn="ctr"/>
-            <a:endParaRPr lang="de-DE"/>
-          </a:p>
-        </p:txBody>
-      </p:sp>
-      <p:sp>
-        <p:nvSpPr>
-          <p:cNvPr id="9" name="Rechteck 8"/>
-          <p:cNvSpPr/>
-          <p:nvPr/>
-        </p:nvSpPr>
-        <p:spPr>
-          <a:xfrm>
-            <a:off x="3491880" y="5481693"/>
-            <a:ext cx="720080" cy="1211671"/>
-          </a:xfrm>
-          <a:prstGeom prst="rect">
-            <a:avLst/>
-          </a:prstGeom>
-          <a:ln>
-            <a:solidFill>
-              <a:srgbClr val="C00000"/>
-            </a:solidFill>
-            <a:tailEnd type="arrow"/>
-          </a:ln>
-        </p:spPr>
-        <p:style>
-          <a:lnRef idx="1">
-            <a:schemeClr val="accent1"/>
-          </a:lnRef>
-          <a:fillRef idx="0">
-            <a:schemeClr val="accent1"/>
-          </a:fillRef>
-          <a:effectRef idx="0">
-            <a:schemeClr val="accent1"/>
-          </a:effectRef>
-          <a:fontRef idx="minor">
-            <a:schemeClr val="tx1"/>
-          </a:fontRef>
-        </p:style>
-        <p:txBody>
-          <a:bodyPr rtlCol="0" anchor="ctr"/>
-          <a:lstStyle/>
-          <a:p>
-            <a:pPr algn="ctr"/>
-            <a:endParaRPr lang="de-DE"/>
-          </a:p>
-        </p:txBody>
-      </p:sp>
-      <p:sp>
-        <p:nvSpPr>
-          <p:cNvPr id="11" name="Rechteck 10"/>
-          <p:cNvSpPr/>
-          <p:nvPr/>
-        </p:nvSpPr>
-        <p:spPr>
-          <a:xfrm>
-            <a:off x="4211960" y="5481693"/>
-            <a:ext cx="720080" cy="1211671"/>
-          </a:xfrm>
-          <a:prstGeom prst="rect">
-            <a:avLst/>
-          </a:prstGeom>
-          <a:ln>
-            <a:solidFill>
-              <a:srgbClr val="C00000"/>
-            </a:solidFill>
-            <a:tailEnd type="arrow"/>
-          </a:ln>
-        </p:spPr>
-        <p:style>
-          <a:lnRef idx="1">
-            <a:schemeClr val="accent1"/>
-          </a:lnRef>
-          <a:fillRef idx="0">
-            <a:schemeClr val="accent1"/>
-          </a:fillRef>
-          <a:effectRef idx="0">
-            <a:schemeClr val="accent1"/>
-          </a:effectRef>
-          <a:fontRef idx="minor">
-            <a:schemeClr val="tx1"/>
-          </a:fontRef>
-        </p:style>
-        <p:txBody>
-          <a:bodyPr rtlCol="0" anchor="ctr"/>
-          <a:lstStyle/>
-          <a:p>
-            <a:pPr algn="ctr"/>
-            <a:endParaRPr lang="de-DE"/>
-          </a:p>
-        </p:txBody>
-      </p:sp>
-      <p:sp>
-        <p:nvSpPr>
-          <p:cNvPr id="12" name="Rechteck 11"/>
-          <p:cNvSpPr/>
-          <p:nvPr/>
-        </p:nvSpPr>
-        <p:spPr>
-          <a:xfrm>
-            <a:off x="4932040" y="5481693"/>
-            <a:ext cx="720080" cy="1211671"/>
-          </a:xfrm>
-          <a:prstGeom prst="rect">
-            <a:avLst/>
-          </a:prstGeom>
-          <a:ln>
-            <a:solidFill>
-              <a:srgbClr val="C00000"/>
-            </a:solidFill>
-            <a:tailEnd type="arrow"/>
-          </a:ln>
-        </p:spPr>
-        <p:style>
-          <a:lnRef idx="1">
-            <a:schemeClr val="accent1"/>
-          </a:lnRef>
-          <a:fillRef idx="0">
-            <a:schemeClr val="accent1"/>
-          </a:fillRef>
-          <a:effectRef idx="0">
-            <a:schemeClr val="accent1"/>
-          </a:effectRef>
-          <a:fontRef idx="minor">
-            <a:schemeClr val="tx1"/>
-          </a:fontRef>
-        </p:style>
-        <p:txBody>
-          <a:bodyPr rtlCol="0" anchor="ctr"/>
-          <a:lstStyle/>
-          <a:p>
-            <a:pPr algn="ctr"/>
-            <a:endParaRPr lang="de-DE"/>
-          </a:p>
-        </p:txBody>
-      </p:sp>
-      <p:sp>
-        <p:nvSpPr>
-          <p:cNvPr id="13" name="li_gn"/>
-          <p:cNvSpPr/>
-          <p:nvPr/>
-        </p:nvSpPr>
-        <p:spPr>
-          <a:xfrm>
-            <a:off x="3536705" y="5481693"/>
-            <a:ext cx="632899" cy="1211671"/>
-          </a:xfrm>
-          <a:prstGeom prst="rect">
-            <a:avLst/>
-          </a:prstGeom>
-          <a:gradFill>
-            <a:gsLst>
-              <a:gs pos="0">
-                <a:srgbClr val="DDEBCF"/>
-              </a:gs>
-              <a:gs pos="50000">
-                <a:srgbClr val="9CB86E"/>
-              </a:gs>
-              <a:gs pos="100000">
-                <a:srgbClr val="156B13"/>
-              </a:gs>
-            </a:gsLst>
-            <a:lin ang="5400000" scaled="0"/>
-          </a:gradFill>
-          <a:ln>
-            <a:solidFill>
-              <a:srgbClr val="C00000"/>
-            </a:solidFill>
-            <a:tailEnd type="arrow"/>
-          </a:ln>
-        </p:spPr>
-        <p:style>
-          <a:lnRef idx="1">
-            <a:schemeClr val="accent1"/>
-          </a:lnRef>
-          <a:fillRef idx="0">
-            <a:schemeClr val="accent1"/>
-          </a:fillRef>
-          <a:effectRef idx="0">
-            <a:schemeClr val="accent1"/>
-          </a:effectRef>
-          <a:fontRef idx="minor">
-            <a:schemeClr val="tx1"/>
-          </a:fontRef>
-        </p:style>
-        <p:txBody>
-          <a:bodyPr rtlCol="0" anchor="ctr"/>
-          <a:lstStyle/>
-          <a:p>
-            <a:pPr algn="ctr"/>
-            <a:endParaRPr lang="de-DE"/>
-          </a:p>
-        </p:txBody>
-      </p:sp>
-      <p:sp>
-        <p:nvSpPr>
-          <p:cNvPr id="14" name="re_gn"/>
-          <p:cNvSpPr/>
-          <p:nvPr/>
-        </p:nvSpPr>
-        <p:spPr>
-          <a:xfrm>
-            <a:off x="4975632" y="5481693"/>
-            <a:ext cx="632899" cy="1211671"/>
-          </a:xfrm>
-          <a:prstGeom prst="rect">
-            <a:avLst/>
-          </a:prstGeom>
-          <a:gradFill>
-            <a:gsLst>
-              <a:gs pos="0">
-                <a:srgbClr val="DDEBCF"/>
-              </a:gs>
-              <a:gs pos="50000">
-                <a:srgbClr val="9CB86E"/>
-              </a:gs>
-              <a:gs pos="100000">
-                <a:srgbClr val="156B13"/>
-              </a:gs>
-            </a:gsLst>
-            <a:lin ang="5400000" scaled="0"/>
-          </a:gradFill>
-          <a:ln>
-            <a:solidFill>
-              <a:srgbClr val="C00000"/>
-            </a:solidFill>
-            <a:tailEnd type="arrow"/>
-          </a:ln>
-        </p:spPr>
-        <p:style>
-          <a:lnRef idx="1">
-            <a:schemeClr val="accent1"/>
-          </a:lnRef>
-          <a:fillRef idx="0">
-            <a:schemeClr val="accent1"/>
-          </a:fillRef>
-          <a:effectRef idx="0">
-            <a:schemeClr val="accent1"/>
-          </a:effectRef>
-          <a:fontRef idx="minor">
-            <a:schemeClr val="tx1"/>
-          </a:fontRef>
-        </p:style>
-        <p:txBody>
-          <a:bodyPr rtlCol="0" anchor="ctr"/>
-          <a:lstStyle/>
-          <a:p>
-            <a:pPr algn="ctr"/>
-            <a:endParaRPr lang="de-DE"/>
-          </a:p>
-        </p:txBody>
-      </p:sp>
-      <p:graphicFrame>
-        <p:nvGraphicFramePr>
-          <p:cNvPr id="5" name="CD_klein"/>
-          <p:cNvGraphicFramePr>
-            <a:graphicFrameLocks noChangeAspect="1"/>
-          </p:cNvGraphicFramePr>
-          <p:nvPr>
-            <p:extLst>
-              <p:ext uri="{D42A27DB-BD31-4B8C-83A1-F6EECF244321}">
-                <p14:modId xmlns:p14="http://schemas.microsoft.com/office/powerpoint/2010/main" val="86177906"/>
-              </p:ext>
-            </p:extLst>
-          </p:nvPr>
-        </p:nvGraphicFramePr>
-        <p:xfrm>
-          <a:off x="6012161" y="5376029"/>
-          <a:ext cx="2947227" cy="1422996"/>
-        </p:xfrm>
-        <a:graphic>
-          <a:graphicData uri="http://schemas.openxmlformats.org/presentationml/2006/ole">
-            <mc:AlternateContent xmlns:mc="http://schemas.openxmlformats.org/markup-compatibility/2006">
-              <mc:Choice xmlns:v="urn:schemas-microsoft-com:vml" Requires="v">
-                <p:oleObj spid="_x0000_s1072" name="Visio" r:id="rId7" imgW="2419246" imgH="876484" progId="Visio.Drawing.15">
-                  <p:embed/>
-                </p:oleObj>
-              </mc:Choice>
-              <mc:Fallback>
-                <p:oleObj name="Visio" r:id="rId7" imgW="2419246" imgH="876484" progId="Visio.Drawing.15">
-                  <p:embed/>
-                  <p:pic>
-                    <p:nvPicPr>
-                      <p:cNvPr id="0" name=""/>
-                      <p:cNvPicPr>
-                        <a:picLocks noChangeAspect="1" noChangeArrowheads="1"/>
-                      </p:cNvPicPr>
-                      <p:nvPr/>
-                    </p:nvPicPr>
-                    <p:blipFill>
-                      <a:blip r:embed="rId5">
-                        <a:extLst>
-                          <a:ext uri="{28A0092B-C50C-407E-A947-70E740481C1C}">
-                            <a14:useLocalDpi xmlns:a14="http://schemas.microsoft.com/office/drawing/2010/main" val="0"/>
-                          </a:ext>
-                        </a:extLst>
-                      </a:blip>
-                      <a:srcRect/>
-                      <a:stretch>
-                        <a:fillRect/>
-                      </a:stretch>
-                    </p:blipFill>
-                    <p:spPr bwMode="auto">
-                      <a:xfrm>
-                        <a:off x="6012161" y="5376029"/>
-                        <a:ext cx="2947227" cy="1422996"/>
-                      </a:xfrm>
-                      <a:prstGeom prst="rect">
-                        <a:avLst/>
-                      </a:prstGeom>
-                      <a:noFill/>
-                      <a:ln>
-                        <a:noFill/>
-                      </a:ln>
-                    </p:spPr>
-                  </p:pic>
-                </p:oleObj>
-              </mc:Fallback>
-            </mc:AlternateContent>
-          </a:graphicData>
-        </a:graphic>
-      </p:graphicFrame>
-      <p:sp>
-        <p:nvSpPr>
-          <p:cNvPr id="16" name="re_get_match"/>
-          <p:cNvSpPr/>
-          <p:nvPr/>
-        </p:nvSpPr>
-        <p:spPr>
-          <a:xfrm>
-            <a:off x="6030193" y="6176434"/>
-            <a:ext cx="1368152" cy="216197"/>
-          </a:xfrm>
-          <a:prstGeom prst="rect">
-            <a:avLst/>
-          </a:prstGeom>
-          <a:ln w="19050">
-            <a:solidFill>
-              <a:srgbClr val="C00000"/>
-            </a:solidFill>
-            <a:tailEnd type="arrow"/>
-          </a:ln>
-          <a:effectLst>
-            <a:outerShdw blurRad="63500" sx="102000" sy="102000" algn="ctr" rotWithShape="0">
-              <a:prstClr val="black">
-                <a:alpha val="40000"/>
-              </a:prstClr>
-            </a:outerShdw>
-          </a:effectLst>
-        </p:spPr>
-        <p:style>
-          <a:lnRef idx="1">
-            <a:schemeClr val="accent1"/>
-          </a:lnRef>
-          <a:fillRef idx="0">
-            <a:schemeClr val="accent1"/>
-          </a:fillRef>
-          <a:effectRef idx="0">
-            <a:schemeClr val="accent1"/>
-          </a:effectRef>
-          <a:fontRef idx="minor">
-            <a:schemeClr val="tx1"/>
-          </a:fontRef>
-        </p:style>
-        <p:txBody>
-          <a:bodyPr rtlCol="0" anchor="ctr"/>
-          <a:lstStyle/>
-          <a:p>
-            <a:pPr algn="ctr"/>
-            <a:endParaRPr lang="de-DE"/>
-          </a:p>
-        </p:txBody>
-      </p:sp>
-      <p:sp>
-        <p:nvSpPr>
-          <p:cNvPr id="18" name="re_new_horizon"/>
-          <p:cNvSpPr/>
-          <p:nvPr/>
-        </p:nvSpPr>
-        <p:spPr>
-          <a:xfrm>
-            <a:off x="6030193" y="6371167"/>
-            <a:ext cx="2358231" cy="216197"/>
-          </a:xfrm>
-          <a:prstGeom prst="rect">
-            <a:avLst/>
-          </a:prstGeom>
-          <a:ln w="19050">
-            <a:solidFill>
-              <a:srgbClr val="C00000"/>
-            </a:solidFill>
-            <a:tailEnd type="arrow"/>
-          </a:ln>
-          <a:effectLst>
-            <a:outerShdw blurRad="63500" sx="102000" sy="102000" algn="ctr" rotWithShape="0">
-              <a:prstClr val="black">
-                <a:alpha val="40000"/>
-              </a:prstClr>
-            </a:outerShdw>
-          </a:effectLst>
-        </p:spPr>
-        <p:style>
-          <a:lnRef idx="1">
-            <a:schemeClr val="accent1"/>
-          </a:lnRef>
-          <a:fillRef idx="0">
-            <a:schemeClr val="accent1"/>
-          </a:fillRef>
-          <a:effectRef idx="0">
-            <a:schemeClr val="accent1"/>
-          </a:effectRef>
-          <a:fontRef idx="minor">
-            <a:schemeClr val="tx1"/>
-          </a:fontRef>
-        </p:style>
-        <p:txBody>
-          <a:bodyPr rtlCol="0" anchor="ctr"/>
-          <a:lstStyle/>
-          <a:p>
-            <a:pPr algn="ctr"/>
-            <a:endParaRPr lang="de-DE"/>
-          </a:p>
-        </p:txBody>
-      </p:sp>
-      <p:sp>
-        <p:nvSpPr>
-          <p:cNvPr id="19" name="re_new_pos"/>
-          <p:cNvSpPr/>
-          <p:nvPr/>
-        </p:nvSpPr>
-        <p:spPr>
-          <a:xfrm>
-            <a:off x="6030193" y="6557434"/>
-            <a:ext cx="2862287" cy="216197"/>
-          </a:xfrm>
-          <a:prstGeom prst="rect">
-            <a:avLst/>
-          </a:prstGeom>
-          <a:ln w="19050">
-            <a:solidFill>
-              <a:srgbClr val="C00000"/>
-            </a:solidFill>
-            <a:tailEnd type="arrow"/>
-          </a:ln>
-          <a:effectLst>
-            <a:outerShdw blurRad="63500" sx="102000" sy="102000" algn="ctr" rotWithShape="0">
-              <a:prstClr val="black">
-                <a:alpha val="40000"/>
-              </a:prstClr>
-            </a:outerShdw>
-          </a:effectLst>
-        </p:spPr>
-        <p:style>
-          <a:lnRef idx="1">
-            <a:schemeClr val="accent1"/>
-          </a:lnRef>
-          <a:fillRef idx="0">
-            <a:schemeClr val="accent1"/>
-          </a:fillRef>
-          <a:effectRef idx="0">
-            <a:schemeClr val="accent1"/>
-          </a:effectRef>
-          <a:fontRef idx="minor">
-            <a:schemeClr val="tx1"/>
-          </a:fontRef>
-        </p:style>
-        <p:txBody>
-          <a:bodyPr rtlCol="0" anchor="ctr"/>
-          <a:lstStyle/>
-          <a:p>
-            <a:pPr algn="ctr"/>
-            <a:endParaRPr lang="de-DE"/>
-          </a:p>
-        </p:txBody>
-      </p:sp>
-    </p:spTree>
-    <p:extLst>
-      <p:ext uri="{BB962C8B-B14F-4D97-AF65-F5344CB8AC3E}">
-        <p14:creationId xmlns:p14="http://schemas.microsoft.com/office/powerpoint/2010/main" val="1017667959"/>
-      </p:ext>
-    </p:extLst>
-  </p:cSld>
-  <p:clrMapOvr>
-    <a:masterClrMapping/>
-  </p:clrMapOvr>
-  <p:timing>
-    <p:tnLst>
-      <p:par>
-        <p:cTn id="1" dur="indefinite" restart="never" nodeType="tmRoot">
-          <p:childTnLst>
-            <p:seq concurrent="1" nextAc="seek">
-              <p:cTn id="2" dur="indefinite" nodeType="mainSeq">
-                <p:childTnLst>
-                  <p:par>
-                    <p:cTn id="3" fill="hold">
-                      <p:stCondLst>
-                        <p:cond delay="indefinite"/>
-                        <p:cond evt="onBegin" delay="0">
-                          <p:tn val="2"/>
-                        </p:cond>
-                      </p:stCondLst>
-                      <p:childTnLst>
-                        <p:par>
-                          <p:cTn id="4" fill="hold">
-                            <p:stCondLst>
-                              <p:cond delay="0"/>
-                            </p:stCondLst>
-                            <p:childTnLst>
-                              <p:par>
-                                <p:cTn id="5" presetID="1" presetClass="entr" presetSubtype="0" fill="hold" nodeType="withEffect">
-                                  <p:stCondLst>
-                                    <p:cond delay="0"/>
-                                  </p:stCondLst>
-                                  <p:childTnLst>
-                                    <p:set>
-                                      <p:cBhvr>
-                                        <p:cTn id="6" dur="1" fill="hold">
-                                          <p:stCondLst>
-                                            <p:cond delay="0"/>
-                                          </p:stCondLst>
-                                        </p:cTn>
-                                        <p:tgtEl>
-                                          <p:spTgt spid="5"/>
-                                        </p:tgtEl>
-                                        <p:attrNameLst>
-                                          <p:attrName>style.visibility</p:attrName>
-                                        </p:attrNameLst>
-                                      </p:cBhvr>
-                                      <p:to>
-                                        <p:strVal val="visible"/>
-                                      </p:to>
-                                    </p:set>
-                                  </p:childTnLst>
-                                </p:cTn>
-                              </p:par>
-                              <p:par>
-                                <p:cTn id="7" presetID="1" presetClass="entr" presetSubtype="0" fill="hold" grpId="0" nodeType="withEffect">
-                                  <p:stCondLst>
-                                    <p:cond delay="0"/>
-                                  </p:stCondLst>
-                                  <p:childTnLst>
-                                    <p:set>
-                                      <p:cBhvr>
-                                        <p:cTn id="8" dur="1" fill="hold">
-                                          <p:stCondLst>
-                                            <p:cond delay="0"/>
-                                          </p:stCondLst>
-                                        </p:cTn>
-                                        <p:tgtEl>
-                                          <p:spTgt spid="16"/>
-                                        </p:tgtEl>
-                                        <p:attrNameLst>
-                                          <p:attrName>style.visibility</p:attrName>
-                                        </p:attrNameLst>
-                                      </p:cBhvr>
-                                      <p:to>
-                                        <p:strVal val="visible"/>
-                                      </p:to>
-                                    </p:set>
-                                  </p:childTnLst>
-                                </p:cTn>
-                              </p:par>
-                              <p:par>
-                                <p:cTn id="9" presetID="1" presetClass="exit" presetSubtype="0" fill="hold" nodeType="withEffect">
-                                  <p:stCondLst>
-                                    <p:cond delay="0"/>
-                                  </p:stCondLst>
-                                  <p:childTnLst>
-                                    <p:set>
-                                      <p:cBhvr>
-                                        <p:cTn id="10" dur="1" fill="hold">
-                                          <p:stCondLst>
-                                            <p:cond delay="0"/>
-                                          </p:stCondLst>
-                                        </p:cTn>
-                                        <p:tgtEl>
-                                          <p:spTgt spid="4"/>
-                                        </p:tgtEl>
-                                        <p:attrNameLst>
-                                          <p:attrName>style.visibility</p:attrName>
-                                        </p:attrNameLst>
-                                      </p:cBhvr>
-                                      <p:to>
-                                        <p:strVal val="hidden"/>
-                                      </p:to>
-                                    </p:set>
-                                  </p:childTnLst>
-                                </p:cTn>
-                              </p:par>
-                              <p:par>
-                                <p:cTn id="11" presetID="1" presetClass="entr" presetSubtype="0" fill="hold" grpId="0" nodeType="withEffect">
-                                  <p:stCondLst>
-                                    <p:cond delay="0"/>
-                                  </p:stCondLst>
-                                  <p:childTnLst>
-                                    <p:set>
-                                      <p:cBhvr>
-                                        <p:cTn id="12" dur="1" fill="hold">
-                                          <p:stCondLst>
-                                            <p:cond delay="0"/>
-                                          </p:stCondLst>
-                                        </p:cTn>
-                                        <p:tgtEl>
-                                          <p:spTgt spid="18"/>
-                                        </p:tgtEl>
-                                        <p:attrNameLst>
-                                          <p:attrName>style.visibility</p:attrName>
-                                        </p:attrNameLst>
-                                      </p:cBhvr>
-                                      <p:to>
-                                        <p:strVal val="visible"/>
-                                      </p:to>
-                                    </p:set>
-                                  </p:childTnLst>
-                                </p:cTn>
-                              </p:par>
-                              <p:par>
-                                <p:cTn id="13" presetID="1" presetClass="exit" presetSubtype="0" fill="hold" grpId="1" nodeType="withEffect">
-                                  <p:stCondLst>
-                                    <p:cond delay="0"/>
-                                  </p:stCondLst>
-                                  <p:childTnLst>
-                                    <p:set>
-                                      <p:cBhvr>
-                                        <p:cTn id="14" dur="1" fill="hold">
-                                          <p:stCondLst>
-                                            <p:cond delay="0"/>
-                                          </p:stCondLst>
-                                        </p:cTn>
-                                        <p:tgtEl>
-                                          <p:spTgt spid="16"/>
-                                        </p:tgtEl>
-                                        <p:attrNameLst>
-                                          <p:attrName>style.visibility</p:attrName>
-                                        </p:attrNameLst>
-                                      </p:cBhvr>
-                                      <p:to>
-                                        <p:strVal val="hidden"/>
-                                      </p:to>
-                                    </p:set>
-                                  </p:childTnLst>
-                                </p:cTn>
-                              </p:par>
-                              <p:par>
-                                <p:cTn id="15" presetID="1" presetClass="entr" presetSubtype="0" fill="hold" grpId="0" nodeType="withEffect">
-                                  <p:stCondLst>
-                                    <p:cond delay="0"/>
-                                  </p:stCondLst>
-                                  <p:childTnLst>
-                                    <p:set>
-                                      <p:cBhvr>
-                                        <p:cTn id="16" dur="1" fill="hold">
-                                          <p:stCondLst>
-                                            <p:cond delay="0"/>
-                                          </p:stCondLst>
-                                        </p:cTn>
-                                        <p:tgtEl>
-                                          <p:spTgt spid="19"/>
-                                        </p:tgtEl>
-                                        <p:attrNameLst>
-                                          <p:attrName>style.visibility</p:attrName>
-                                        </p:attrNameLst>
-                                      </p:cBhvr>
-                                      <p:to>
-                                        <p:strVal val="visible"/>
-                                      </p:to>
-                                    </p:set>
-                                  </p:childTnLst>
-                                </p:cTn>
-                              </p:par>
-                              <p:par>
-                                <p:cTn id="17" presetID="1" presetClass="exit" presetSubtype="0" fill="hold" grpId="1" nodeType="withEffect">
-                                  <p:stCondLst>
-                                    <p:cond delay="0"/>
-                                  </p:stCondLst>
-                                  <p:childTnLst>
-                                    <p:set>
-                                      <p:cBhvr>
-                                        <p:cTn id="18" dur="1" fill="hold">
-                                          <p:stCondLst>
-                                            <p:cond delay="0"/>
-                                          </p:stCondLst>
-                                        </p:cTn>
-                                        <p:tgtEl>
-                                          <p:spTgt spid="18"/>
-                                        </p:tgtEl>
-                                        <p:attrNameLst>
-                                          <p:attrName>style.visibility</p:attrName>
-                                        </p:attrNameLst>
-                                      </p:cBhvr>
-                                      <p:to>
-                                        <p:strVal val="hidden"/>
-                                      </p:to>
-                                    </p:set>
-                                  </p:childTnLst>
-                                </p:cTn>
-                              </p:par>
-                            </p:childTnLst>
-                          </p:cTn>
-                        </p:par>
-                      </p:childTnLst>
-                    </p:cTn>
-                  </p:par>
-                  <p:par>
-                    <p:cTn id="19" fill="hold">
-                      <p:stCondLst>
-                        <p:cond delay="indefinite"/>
-                      </p:stCondLst>
-                      <p:childTnLst>
-                        <p:par>
-                          <p:cTn id="20" fill="hold">
-                            <p:stCondLst>
-                              <p:cond delay="0"/>
-                            </p:stCondLst>
-                            <p:childTnLst>
-                              <p:par>
-                                <p:cTn id="21" presetID="1" presetClass="entr" presetSubtype="0" fill="hold" grpId="0" nodeType="clickEffect">
-                                  <p:stCondLst>
-                                    <p:cond delay="0"/>
-                                  </p:stCondLst>
-                                  <p:childTnLst>
-                                    <p:set>
-                                      <p:cBhvr>
-                                        <p:cTn id="22" dur="1" fill="hold">
-                                          <p:stCondLst>
-                                            <p:cond delay="0"/>
-                                          </p:stCondLst>
-                                        </p:cTn>
-                                        <p:tgtEl>
-                                          <p:spTgt spid="8"/>
-                                        </p:tgtEl>
-                                        <p:attrNameLst>
-                                          <p:attrName>style.visibility</p:attrName>
-                                        </p:attrNameLst>
-                                      </p:cBhvr>
-                                      <p:to>
-                                        <p:strVal val="visible"/>
-                                      </p:to>
-                                    </p:set>
-                                  </p:childTnLst>
-                                </p:cTn>
-                              </p:par>
-                              <p:par>
-                                <p:cTn id="23" presetID="1" presetClass="entr" presetSubtype="0" fill="hold" grpId="0" nodeType="withEffect">
-                                  <p:stCondLst>
-                                    <p:cond delay="0"/>
-                                  </p:stCondLst>
-                                  <p:childTnLst>
-                                    <p:set>
-                                      <p:cBhvr>
-                                        <p:cTn id="24" dur="1" fill="hold">
-                                          <p:stCondLst>
-                                            <p:cond delay="0"/>
-                                          </p:stCondLst>
-                                        </p:cTn>
-                                        <p:tgtEl>
-                                          <p:spTgt spid="9"/>
-                                        </p:tgtEl>
-                                        <p:attrNameLst>
-                                          <p:attrName>style.visibility</p:attrName>
-                                        </p:attrNameLst>
-                                      </p:cBhvr>
-                                      <p:to>
-                                        <p:strVal val="visible"/>
-                                      </p:to>
-                                    </p:set>
-                                  </p:childTnLst>
-                                </p:cTn>
-                              </p:par>
-                              <p:par>
-                                <p:cTn id="25" presetID="1" presetClass="entr" presetSubtype="0" fill="hold" grpId="0" nodeType="withEffect">
-                                  <p:stCondLst>
-                                    <p:cond delay="0"/>
-                                  </p:stCondLst>
-                                  <p:childTnLst>
-                                    <p:set>
-                                      <p:cBhvr>
-                                        <p:cTn id="26" dur="1" fill="hold">
-                                          <p:stCondLst>
-                                            <p:cond delay="0"/>
-                                          </p:stCondLst>
-                                        </p:cTn>
-                                        <p:tgtEl>
-                                          <p:spTgt spid="11"/>
-                                        </p:tgtEl>
-                                        <p:attrNameLst>
-                                          <p:attrName>style.visibility</p:attrName>
-                                        </p:attrNameLst>
-                                      </p:cBhvr>
-                                      <p:to>
-                                        <p:strVal val="visible"/>
-                                      </p:to>
-                                    </p:set>
-                                  </p:childTnLst>
-                                </p:cTn>
-                              </p:par>
-                              <p:par>
-                                <p:cTn id="27" presetID="1" presetClass="entr" presetSubtype="0" fill="hold" grpId="0" nodeType="withEffect">
-                                  <p:stCondLst>
-                                    <p:cond delay="0"/>
-                                  </p:stCondLst>
-                                  <p:childTnLst>
-                                    <p:set>
-                                      <p:cBhvr>
-                                        <p:cTn id="28" dur="1" fill="hold">
-                                          <p:stCondLst>
-                                            <p:cond delay="0"/>
-                                          </p:stCondLst>
-                                        </p:cTn>
-                                        <p:tgtEl>
-                                          <p:spTgt spid="12"/>
-                                        </p:tgtEl>
-                                        <p:attrNameLst>
-                                          <p:attrName>style.visibility</p:attrName>
-                                        </p:attrNameLst>
-                                      </p:cBhvr>
-                                      <p:to>
-                                        <p:strVal val="visible"/>
-                                      </p:to>
-                                    </p:set>
-                                  </p:childTnLst>
-                                </p:cTn>
-                              </p:par>
-                            </p:childTnLst>
-                          </p:cTn>
-                        </p:par>
-                      </p:childTnLst>
-                    </p:cTn>
-                  </p:par>
-                  <p:par>
-                    <p:cTn id="29" fill="hold">
-                      <p:stCondLst>
-                        <p:cond delay="indefinite"/>
-                      </p:stCondLst>
-                      <p:childTnLst>
-                        <p:par>
-                          <p:cTn id="30" fill="hold">
-                            <p:stCondLst>
-                              <p:cond delay="0"/>
-                            </p:stCondLst>
-                            <p:childTnLst>
-                              <p:par>
-                                <p:cTn id="31" presetID="1" presetClass="entr" presetSubtype="0" fill="hold" grpId="0" nodeType="clickEffect">
-                                  <p:stCondLst>
-                                    <p:cond delay="0"/>
-                                  </p:stCondLst>
-                                  <p:childTnLst>
-                                    <p:set>
-                                      <p:cBhvr>
-                                        <p:cTn id="32" dur="1" fill="hold">
-                                          <p:stCondLst>
-                                            <p:cond delay="0"/>
-                                          </p:stCondLst>
-                                        </p:cTn>
-                                        <p:tgtEl>
-                                          <p:spTgt spid="13"/>
-                                        </p:tgtEl>
-                                        <p:attrNameLst>
-                                          <p:attrName>style.visibility</p:attrName>
-                                        </p:attrNameLst>
-                                      </p:cBhvr>
-                                      <p:to>
-                                        <p:strVal val="visible"/>
-                                      </p:to>
-                                    </p:set>
-                                  </p:childTnLst>
-                                </p:cTn>
-                              </p:par>
-                              <p:par>
-                                <p:cTn id="33" presetID="1" presetClass="entr" presetSubtype="0" fill="hold" grpId="0" nodeType="withEffect">
-                                  <p:stCondLst>
-                                    <p:cond delay="0"/>
-                                  </p:stCondLst>
-                                  <p:childTnLst>
-                                    <p:set>
-                                      <p:cBhvr>
-                                        <p:cTn id="34" dur="1" fill="hold">
-                                          <p:stCondLst>
-                                            <p:cond delay="0"/>
-                                          </p:stCondLst>
-                                        </p:cTn>
-                                        <p:tgtEl>
-                                          <p:spTgt spid="14"/>
-                                        </p:tgtEl>
-                                        <p:attrNameLst>
-                                          <p:attrName>style.visibility</p:attrName>
-                                        </p:attrNameLst>
-                                      </p:cBhvr>
-                                      <p:to>
-                                        <p:strVal val="visible"/>
-                                      </p:to>
-                                    </p:set>
-                                  </p:childTnLst>
-                                </p:cTn>
-                              </p:par>
-                            </p:childTnLst>
-                          </p:cTn>
-                        </p:par>
-                      </p:childTnLst>
-                    </p:cTn>
-                  </p:par>
-                </p:childTnLst>
-              </p:cTn>
-              <p:prevCondLst>
-                <p:cond evt="onPrev" delay="0">
-                  <p:tgtEl>
-                    <p:sldTgt/>
-                  </p:tgtEl>
-                </p:cond>
-              </p:prevCondLst>
-              <p:nextCondLst>
-                <p:cond evt="onNext" delay="0">
-                  <p:tgtEl>
-                    <p:sldTgt/>
-                  </p:tgtEl>
-                </p:cond>
-              </p:nextCondLst>
-            </p:seq>
-          </p:childTnLst>
-        </p:cTn>
-      </p:par>
-    </p:tnLst>
-    <p:bldLst>
-      <p:bldP spid="8" grpId="0" animBg="1"/>
-      <p:bldP spid="9" grpId="0" animBg="1"/>
-      <p:bldP spid="11" grpId="0" animBg="1"/>
-      <p:bldP spid="12" grpId="0" animBg="1"/>
-      <p:bldP spid="13" grpId="0" animBg="1"/>
-      <p:bldP spid="14" grpId="0" animBg="1"/>
-      <p:bldP spid="16" grpId="0" animBg="1"/>
-      <p:bldP spid="16" grpId="1" animBg="1"/>
-      <p:bldP spid="18" grpId="0" animBg="1"/>
-      <p:bldP spid="18" grpId="1" animBg="1"/>
-      <p:bldP spid="19" grpId="0" animBg="1"/>
-    </p:bldLst>
-  </p:timing>
-</p:sld>
-</file>
-
-<file path=ppt/slides/slide9.xml><?xml version="1.0" encoding="utf-8"?>
-<p:sld xmlns:a="http://schemas.openxmlformats.org/drawingml/2006/main" xmlns:r="http://schemas.openxmlformats.org/officeDocument/2006/relationships" xmlns:p="http://schemas.openxmlformats.org/presentationml/2006/main">
-  <p:cSld>
-    <p:spTree>
-      <p:nvGrpSpPr>
-        <p:cNvPr id="1" name=""/>
-        <p:cNvGrpSpPr/>
-        <p:nvPr/>
-      </p:nvGrpSpPr>
-      <p:grpSpPr>
-        <a:xfrm>
-          <a:off x="0" y="0"/>
-          <a:ext cx="0" cy="0"/>
-          <a:chOff x="0" y="0"/>
-          <a:chExt cx="0" cy="0"/>
-        </a:xfrm>
-      </p:grpSpPr>
-      <p:sp>
-        <p:nvSpPr>
-          <p:cNvPr id="3" name="Titel 2"/>
-          <p:cNvSpPr>
-            <a:spLocks noGrp="1"/>
-          </p:cNvSpPr>
-          <p:nvPr>
-            <p:ph type="title"/>
-          </p:nvPr>
-        </p:nvSpPr>
-        <p:spPr/>
-        <p:txBody>
-          <a:bodyPr/>
-          <a:lstStyle/>
-          <a:p>
-            <a:r>
-              <a:rPr lang="de-DE" dirty="0" smtClean="0"/>
-              <a:t>Gamelogik - </a:t>
-            </a:r>
-            <a:r>
-              <a:rPr lang="de-DE" dirty="0" err="1" smtClean="0"/>
-              <a:t>Calculation</a:t>
-            </a:r>
-            <a:endParaRPr lang="de-DE" dirty="0"/>
-          </a:p>
-        </p:txBody>
-      </p:sp>
-      <p:graphicFrame>
-        <p:nvGraphicFramePr>
-          <p:cNvPr id="4" name="CDCalc"/>
-          <p:cNvGraphicFramePr>
-            <a:graphicFrameLocks noChangeAspect="1"/>
-          </p:cNvGraphicFramePr>
-          <p:nvPr>
-            <p:extLst>
-              <p:ext uri="{D42A27DB-BD31-4B8C-83A1-F6EECF244321}">
-                <p14:modId xmlns:p14="http://schemas.microsoft.com/office/powerpoint/2010/main" val="151013747"/>
-              </p:ext>
-            </p:extLst>
-          </p:nvPr>
-        </p:nvGraphicFramePr>
-        <p:xfrm>
-          <a:off x="2665296" y="1835360"/>
-          <a:ext cx="3778913" cy="4665981"/>
-        </p:xfrm>
-        <a:graphic>
-          <a:graphicData uri="http://schemas.openxmlformats.org/presentationml/2006/ole">
-            <mc:AlternateContent xmlns:mc="http://schemas.openxmlformats.org/markup-compatibility/2006">
-              <mc:Choice xmlns:v="urn:schemas-microsoft-com:vml" Requires="v">
-                <p:oleObj spid="_x0000_s2096" name="Visio" r:id="rId5" imgW="2705077" imgH="2505029" progId="Visio.Drawing.15">
-                  <p:embed/>
-                </p:oleObj>
-              </mc:Choice>
-              <mc:Fallback>
-                <p:oleObj name="Visio" r:id="rId5" imgW="2705077" imgH="2505029" progId="Visio.Drawing.15">
-                  <p:embed/>
-                  <p:pic>
-                    <p:nvPicPr>
-                      <p:cNvPr id="0" name=""/>
-                      <p:cNvPicPr/>
-                      <p:nvPr/>
-                    </p:nvPicPr>
-                    <p:blipFill>
-                      <a:blip r:embed="rId6"/>
-                      <a:stretch>
-                        <a:fillRect/>
-                      </a:stretch>
-                    </p:blipFill>
-                    <p:spPr>
-                      <a:xfrm>
-                        <a:off x="2665296" y="1835360"/>
-                        <a:ext cx="3778913" cy="4665981"/>
-                      </a:xfrm>
-                      <a:prstGeom prst="rect">
-                        <a:avLst/>
-                      </a:prstGeom>
-                    </p:spPr>
-                  </p:pic>
-                </p:oleObj>
-              </mc:Fallback>
-            </mc:AlternateContent>
-          </a:graphicData>
-        </a:graphic>
-      </p:graphicFrame>
-      <p:graphicFrame>
-        <p:nvGraphicFramePr>
-          <p:cNvPr id="2" name="CD_klein"/>
-          <p:cNvGraphicFramePr>
-            <a:graphicFrameLocks noChangeAspect="1"/>
-          </p:cNvGraphicFramePr>
-          <p:nvPr>
-            <p:extLst>
-              <p:ext uri="{D42A27DB-BD31-4B8C-83A1-F6EECF244321}">
-                <p14:modId xmlns:p14="http://schemas.microsoft.com/office/powerpoint/2010/main" val="1774050076"/>
-              </p:ext>
-            </p:extLst>
-          </p:nvPr>
-        </p:nvGraphicFramePr>
-        <p:xfrm>
-          <a:off x="6849968" y="1661320"/>
-          <a:ext cx="2052278" cy="2534017"/>
-        </p:xfrm>
-        <a:graphic>
-          <a:graphicData uri="http://schemas.openxmlformats.org/presentationml/2006/ole">
-            <mc:AlternateContent xmlns:mc="http://schemas.openxmlformats.org/markup-compatibility/2006">
-              <mc:Choice xmlns:v="urn:schemas-microsoft-com:vml" Requires="v">
-                <p:oleObj spid="_x0000_s2097" name="Visio" r:id="rId8" imgW="2705077" imgH="2505029" progId="Visio.Drawing.15">
-                  <p:embed/>
-                </p:oleObj>
-              </mc:Choice>
-              <mc:Fallback>
-                <p:oleObj name="Visio" r:id="rId8" imgW="2705077" imgH="2505029" progId="Visio.Drawing.15">
-                  <p:embed/>
-                  <p:pic>
-                    <p:nvPicPr>
-                      <p:cNvPr id="0" name=""/>
-                      <p:cNvPicPr>
-                        <a:picLocks noChangeAspect="1" noChangeArrowheads="1"/>
-                      </p:cNvPicPr>
-                      <p:nvPr/>
-                    </p:nvPicPr>
-                    <p:blipFill>
-                      <a:blip r:embed="rId9"/>
-                      <a:srcRect/>
-                      <a:stretch>
-                        <a:fillRect/>
-                      </a:stretch>
-                    </p:blipFill>
-                    <p:spPr bwMode="auto">
-                      <a:xfrm>
-                        <a:off x="6849968" y="1661320"/>
-                        <a:ext cx="2052278" cy="2534017"/>
-                      </a:xfrm>
-                      <a:prstGeom prst="rect">
-                        <a:avLst/>
-                      </a:prstGeom>
-                      <a:noFill/>
-                      <a:ln>
-                        <a:noFill/>
-                      </a:ln>
-                    </p:spPr>
-                  </p:pic>
-                </p:oleObj>
-              </mc:Fallback>
-            </mc:AlternateContent>
-          </a:graphicData>
-        </a:graphic>
-      </p:graphicFrame>
-      <p:sp>
-        <p:nvSpPr>
-          <p:cNvPr id="5" name="re_calcflug"/>
-          <p:cNvSpPr/>
-          <p:nvPr/>
-        </p:nvSpPr>
-        <p:spPr>
-          <a:xfrm>
-            <a:off x="6857110" y="2517571"/>
-            <a:ext cx="1368152" cy="144000"/>
-          </a:xfrm>
-          <a:prstGeom prst="rect">
-            <a:avLst/>
-          </a:prstGeom>
-          <a:ln w="19050">
-            <a:solidFill>
-              <a:srgbClr val="C00000"/>
-            </a:solidFill>
-            <a:tailEnd type="arrow"/>
-          </a:ln>
-          <a:effectLst>
-            <a:outerShdw blurRad="63500" sx="102000" sy="102000" algn="ctr" rotWithShape="0">
-              <a:prstClr val="black">
-                <a:alpha val="40000"/>
-              </a:prstClr>
-            </a:outerShdw>
-          </a:effectLst>
-        </p:spPr>
-        <p:style>
-          <a:lnRef idx="1">
-            <a:schemeClr val="accent1"/>
-          </a:lnRef>
-          <a:fillRef idx="0">
-            <a:schemeClr val="accent1"/>
-          </a:fillRef>
-          <a:effectRef idx="0">
-            <a:schemeClr val="accent1"/>
-          </a:effectRef>
-          <a:fontRef idx="minor">
-            <a:schemeClr val="tx1"/>
-          </a:fontRef>
-        </p:style>
-        <p:txBody>
-          <a:bodyPr rtlCol="0" anchor="ctr"/>
-          <a:lstStyle/>
-          <a:p>
-            <a:pPr algn="ctr"/>
-            <a:endParaRPr lang="de-DE"/>
-          </a:p>
-        </p:txBody>
-      </p:sp>
-      <p:sp>
-        <p:nvSpPr>
-          <p:cNvPr id="9" name="re___calc_flug"/>
-          <p:cNvSpPr/>
-          <p:nvPr/>
-        </p:nvSpPr>
-        <p:spPr>
-          <a:xfrm>
-            <a:off x="6857110" y="3619961"/>
-            <a:ext cx="1433018" cy="144000"/>
-          </a:xfrm>
-          <a:prstGeom prst="rect">
-            <a:avLst/>
-          </a:prstGeom>
-          <a:ln w="19050">
-            <a:solidFill>
-              <a:srgbClr val="C00000"/>
-            </a:solidFill>
-            <a:tailEnd type="arrow"/>
-          </a:ln>
-          <a:effectLst>
-            <a:outerShdw blurRad="63500" sx="102000" sy="102000" algn="ctr" rotWithShape="0">
-              <a:prstClr val="black">
-                <a:alpha val="40000"/>
-              </a:prstClr>
-            </a:outerShdw>
-          </a:effectLst>
-        </p:spPr>
-        <p:style>
-          <a:lnRef idx="1">
-            <a:schemeClr val="accent1"/>
-          </a:lnRef>
-          <a:fillRef idx="0">
-            <a:schemeClr val="accent1"/>
-          </a:fillRef>
-          <a:effectRef idx="0">
-            <a:schemeClr val="accent1"/>
-          </a:effectRef>
-          <a:fontRef idx="minor">
-            <a:schemeClr val="tx1"/>
-          </a:fontRef>
-        </p:style>
-        <p:txBody>
-          <a:bodyPr rtlCol="0" anchor="ctr"/>
-          <a:lstStyle/>
-          <a:p>
-            <a:pPr algn="ctr"/>
-            <a:endParaRPr lang="de-DE"/>
-          </a:p>
-        </p:txBody>
-      </p:sp>
-      <p:sp>
-        <p:nvSpPr>
-          <p:cNvPr id="10" name="re_calc_pos"/>
-          <p:cNvSpPr/>
-          <p:nvPr/>
-        </p:nvSpPr>
-        <p:spPr>
-          <a:xfrm>
-            <a:off x="6857111" y="3866723"/>
-            <a:ext cx="1505025" cy="144000"/>
-          </a:xfrm>
-          <a:prstGeom prst="rect">
-            <a:avLst/>
-          </a:prstGeom>
-          <a:ln w="19050">
-            <a:solidFill>
-              <a:srgbClr val="C00000"/>
-            </a:solidFill>
-            <a:tailEnd type="arrow"/>
-          </a:ln>
-          <a:effectLst>
-            <a:outerShdw blurRad="63500" sx="102000" sy="102000" algn="ctr" rotWithShape="0">
-              <a:prstClr val="black">
-                <a:alpha val="40000"/>
-              </a:prstClr>
-            </a:outerShdw>
-          </a:effectLst>
-        </p:spPr>
-        <p:style>
-          <a:lnRef idx="1">
-            <a:schemeClr val="accent1"/>
-          </a:lnRef>
-          <a:fillRef idx="0">
-            <a:schemeClr val="accent1"/>
-          </a:fillRef>
-          <a:effectRef idx="0">
-            <a:schemeClr val="accent1"/>
-          </a:effectRef>
-          <a:fontRef idx="minor">
-            <a:schemeClr val="tx1"/>
-          </a:fontRef>
-        </p:style>
-        <p:txBody>
-          <a:bodyPr rtlCol="0" anchor="ctr"/>
-          <a:lstStyle/>
-          <a:p>
-            <a:pPr algn="ctr"/>
-            <a:endParaRPr lang="de-DE"/>
-          </a:p>
-        </p:txBody>
-      </p:sp>
-      <p:pic>
-        <p:nvPicPr>
-          <p:cNvPr id="4122" name="Picture 26" hidden="1"/>
-          <p:cNvPicPr>
-            <a:picLocks noChangeAspect="1" noChangeArrowheads="1"/>
-          </p:cNvPicPr>
-          <p:nvPr/>
-        </p:nvPicPr>
-        <p:blipFill rotWithShape="1">
-          <a:blip r:embed="rId10">
-            <a:extLst>
-              <a:ext uri="{28A0092B-C50C-407E-A947-70E740481C1C}">
-                <a14:useLocalDpi xmlns:a14="http://schemas.microsoft.com/office/drawing/2010/main" val="0"/>
-              </a:ext>
-            </a:extLst>
-          </a:blip>
-          <a:srcRect l="61598" t="52361" r="15015" b="8902"/>
-          <a:stretch/>
-        </p:blipFill>
-        <p:spPr bwMode="auto">
-          <a:xfrm>
-            <a:off x="741908" y="1661319"/>
-            <a:ext cx="5702300" cy="3778252"/>
-          </a:xfrm>
-          <a:prstGeom prst="rect">
-            <a:avLst/>
-          </a:prstGeom>
-          <a:noFill/>
-          <a:ln>
-            <a:noFill/>
-          </a:ln>
-          <a:extLst>
-            <a:ext uri="{909E8E84-426E-40DD-AFC4-6F175D3DCCD1}">
-              <a14:hiddenFill xmlns:a14="http://schemas.microsoft.com/office/drawing/2010/main">
-                <a:solidFill>
-                  <a:schemeClr val="accent1"/>
-                </a:solidFill>
-              </a14:hiddenFill>
-            </a:ext>
-            <a:ext uri="{91240B29-F687-4F45-9708-019B960494DF}">
-              <a14:hiddenLine xmlns:a14="http://schemas.microsoft.com/office/drawing/2010/main" w="9525">
-                <a:solidFill>
-                  <a:schemeClr val="tx1"/>
-                </a:solidFill>
-                <a:miter lim="800000"/>
-                <a:headEnd/>
-                <a:tailEnd/>
-              </a14:hiddenLine>
-            </a:ext>
-          </a:extLst>
-        </p:spPr>
-      </p:pic>
-    </p:spTree>
-    <p:extLst>
-      <p:ext uri="{BB962C8B-B14F-4D97-AF65-F5344CB8AC3E}">
-        <p14:creationId xmlns:p14="http://schemas.microsoft.com/office/powerpoint/2010/main" val="1695973083"/>
-      </p:ext>
-    </p:extLst>
-  </p:cSld>
-  <p:clrMapOvr>
-    <a:masterClrMapping/>
-  </p:clrMapOvr>
-  <p:timing>
-    <p:tnLst>
-      <p:par>
-        <p:cTn id="1" dur="indefinite" restart="never" nodeType="tmRoot">
-          <p:childTnLst>
-            <p:seq concurrent="1" nextAc="seek">
-              <p:cTn id="2" dur="indefinite" nodeType="mainSeq">
-                <p:childTnLst>
-                  <p:par>
-                    <p:cTn id="3" fill="hold">
-                      <p:stCondLst>
-                        <p:cond delay="indefinite"/>
-                        <p:cond evt="onBegin" delay="0">
-                          <p:tn val="2"/>
-                        </p:cond>
-                      </p:stCondLst>
-                      <p:childTnLst>
-                        <p:par>
-                          <p:cTn id="4" fill="hold">
-                            <p:stCondLst>
-                              <p:cond delay="0"/>
-                            </p:stCondLst>
-                            <p:childTnLst>
-                              <p:par>
-                                <p:cTn id="5" presetID="1" presetClass="entr" presetSubtype="0" fill="hold" nodeType="withEffect">
-                                  <p:stCondLst>
-                                    <p:cond delay="0"/>
-                                  </p:stCondLst>
-                                  <p:childTnLst>
-                                    <p:set>
-                                      <p:cBhvr>
-                                        <p:cTn id="6" dur="1" fill="hold">
-                                          <p:stCondLst>
-                                            <p:cond delay="0"/>
-                                          </p:stCondLst>
-                                        </p:cTn>
-                                        <p:tgtEl>
-                                          <p:spTgt spid="2"/>
-                                        </p:tgtEl>
-                                        <p:attrNameLst>
-                                          <p:attrName>style.visibility</p:attrName>
-                                        </p:attrNameLst>
-                                      </p:cBhvr>
-                                      <p:to>
-                                        <p:strVal val="visible"/>
-                                      </p:to>
-                                    </p:set>
-                                  </p:childTnLst>
-                                </p:cTn>
-                              </p:par>
-                              <p:par>
-                                <p:cTn id="7" presetID="1" presetClass="entr" presetSubtype="0" fill="hold" grpId="0" nodeType="withEffect">
-                                  <p:stCondLst>
-                                    <p:cond delay="0"/>
-                                  </p:stCondLst>
-                                  <p:childTnLst>
-                                    <p:set>
-                                      <p:cBhvr>
-                                        <p:cTn id="8" dur="1" fill="hold">
-                                          <p:stCondLst>
-                                            <p:cond delay="0"/>
-                                          </p:stCondLst>
-                                        </p:cTn>
-                                        <p:tgtEl>
-                                          <p:spTgt spid="5"/>
-                                        </p:tgtEl>
-                                        <p:attrNameLst>
-                                          <p:attrName>style.visibility</p:attrName>
-                                        </p:attrNameLst>
-                                      </p:cBhvr>
-                                      <p:to>
-                                        <p:strVal val="visible"/>
-                                      </p:to>
-                                    </p:set>
-                                  </p:childTnLst>
-                                </p:cTn>
-                              </p:par>
-                              <p:par>
-                                <p:cTn id="9" presetID="1" presetClass="exit" presetSubtype="0" fill="hold" nodeType="withEffect">
-                                  <p:stCondLst>
-                                    <p:cond delay="0"/>
-                                  </p:stCondLst>
-                                  <p:childTnLst>
-                                    <p:set>
-                                      <p:cBhvr>
-                                        <p:cTn id="10" dur="1" fill="hold">
-                                          <p:stCondLst>
-                                            <p:cond delay="0"/>
-                                          </p:stCondLst>
-                                        </p:cTn>
-                                        <p:tgtEl>
-                                          <p:spTgt spid="4"/>
-                                        </p:tgtEl>
-                                        <p:attrNameLst>
-                                          <p:attrName>style.visibility</p:attrName>
-                                        </p:attrNameLst>
-                                      </p:cBhvr>
-                                      <p:to>
-                                        <p:strVal val="hidden"/>
-                                      </p:to>
-                                    </p:set>
-                                  </p:childTnLst>
-                                </p:cTn>
-                              </p:par>
-                              <p:par>
-                                <p:cTn id="11" presetID="1" presetClass="entr" presetSubtype="0" fill="hold" grpId="0" nodeType="withEffect">
-                                  <p:stCondLst>
-                                    <p:cond delay="0"/>
-                                  </p:stCondLst>
-                                  <p:childTnLst>
-                                    <p:set>
-                                      <p:cBhvr>
-                                        <p:cTn id="12" dur="1" fill="hold">
-                                          <p:stCondLst>
-                                            <p:cond delay="0"/>
-                                          </p:stCondLst>
-                                        </p:cTn>
-                                        <p:tgtEl>
-                                          <p:spTgt spid="9"/>
-                                        </p:tgtEl>
-                                        <p:attrNameLst>
-                                          <p:attrName>style.visibility</p:attrName>
-                                        </p:attrNameLst>
-                                      </p:cBhvr>
-                                      <p:to>
-                                        <p:strVal val="visible"/>
-                                      </p:to>
-                                    </p:set>
-                                  </p:childTnLst>
-                                </p:cTn>
-                              </p:par>
-                              <p:par>
-                                <p:cTn id="13" presetID="1" presetClass="exit" presetSubtype="0" fill="hold" grpId="1" nodeType="withEffect">
-                                  <p:stCondLst>
-                                    <p:cond delay="0"/>
-                                  </p:stCondLst>
-                                  <p:childTnLst>
-                                    <p:set>
-                                      <p:cBhvr>
-                                        <p:cTn id="14" dur="1" fill="hold">
-                                          <p:stCondLst>
-                                            <p:cond delay="0"/>
-                                          </p:stCondLst>
-                                        </p:cTn>
-                                        <p:tgtEl>
-                                          <p:spTgt spid="5"/>
-                                        </p:tgtEl>
-                                        <p:attrNameLst>
-                                          <p:attrName>style.visibility</p:attrName>
-                                        </p:attrNameLst>
-                                      </p:cBhvr>
-                                      <p:to>
-                                        <p:strVal val="hidden"/>
-                                      </p:to>
-                                    </p:set>
-                                  </p:childTnLst>
-                                </p:cTn>
-                              </p:par>
-                              <p:par>
-                                <p:cTn id="15" presetID="1" presetClass="entr" presetSubtype="0" fill="hold" grpId="0" nodeType="withEffect">
-                                  <p:stCondLst>
-                                    <p:cond delay="0"/>
-                                  </p:stCondLst>
-                                  <p:childTnLst>
-                                    <p:set>
-                                      <p:cBhvr>
-                                        <p:cTn id="16" dur="1" fill="hold">
-                                          <p:stCondLst>
-                                            <p:cond delay="0"/>
-                                          </p:stCondLst>
-                                        </p:cTn>
-                                        <p:tgtEl>
-                                          <p:spTgt spid="10"/>
-                                        </p:tgtEl>
-                                        <p:attrNameLst>
-                                          <p:attrName>style.visibility</p:attrName>
-                                        </p:attrNameLst>
-                                      </p:cBhvr>
-                                      <p:to>
-                                        <p:strVal val="visible"/>
-                                      </p:to>
-                                    </p:set>
-                                  </p:childTnLst>
-                                </p:cTn>
-                              </p:par>
-                              <p:par>
-                                <p:cTn id="17" presetID="1" presetClass="exit" presetSubtype="0" fill="hold" grpId="1" nodeType="withEffect">
-                                  <p:stCondLst>
-                                    <p:cond delay="0"/>
-                                  </p:stCondLst>
-                                  <p:childTnLst>
-                                    <p:set>
-                                      <p:cBhvr>
-                                        <p:cTn id="18" dur="1" fill="hold">
-                                          <p:stCondLst>
-                                            <p:cond delay="0"/>
-                                          </p:stCondLst>
-                                        </p:cTn>
-                                        <p:tgtEl>
-                                          <p:spTgt spid="9"/>
-                                        </p:tgtEl>
-                                        <p:attrNameLst>
-                                          <p:attrName>style.visibility</p:attrName>
-                                        </p:attrNameLst>
-                                      </p:cBhvr>
-                                      <p:to>
-                                        <p:strVal val="hidden"/>
-                                      </p:to>
-                                    </p:set>
-                                  </p:childTnLst>
-                                </p:cTn>
-                              </p:par>
-                            </p:childTnLst>
-                          </p:cTn>
-                        </p:par>
-                      </p:childTnLst>
-                    </p:cTn>
-                  </p:par>
-                  <p:par>
-                    <p:cTn id="19" fill="hold">
-                      <p:stCondLst>
-                        <p:cond delay="indefinite"/>
-                      </p:stCondLst>
-                      <p:childTnLst>
-                        <p:par>
-                          <p:cTn id="20" fill="hold">
-                            <p:stCondLst>
-                              <p:cond delay="0"/>
-                            </p:stCondLst>
-                            <p:childTnLst>
-                              <p:par>
-                                <p:cTn id="21" presetID="1" presetClass="entr" presetSubtype="0" fill="hold" nodeType="clickEffect">
-                                  <p:stCondLst>
-                                    <p:cond delay="0"/>
-                                  </p:stCondLst>
-                                  <p:childTnLst>
-                                    <p:set>
-                                      <p:cBhvr>
-                                        <p:cTn id="22" dur="1" fill="hold">
-                                          <p:stCondLst>
-                                            <p:cond delay="0"/>
-                                          </p:stCondLst>
-                                        </p:cTn>
-                                        <p:tgtEl>
-                                          <p:spTgt spid="4122"/>
-                                        </p:tgtEl>
-                                        <p:attrNameLst>
-                                          <p:attrName>style.visibility</p:attrName>
-                                        </p:attrNameLst>
-                                      </p:cBhvr>
-                                      <p:to>
-                                        <p:strVal val="visible"/>
-                                      </p:to>
-                                    </p:set>
-                                  </p:childTnLst>
-                                </p:cTn>
-                              </p:par>
-                              <p:par>
-                                <p:cTn id="23" presetID="1" presetClass="exit" presetSubtype="0" fill="hold" grpId="1" nodeType="withEffect">
-                                  <p:stCondLst>
-                                    <p:cond delay="0"/>
-                                  </p:stCondLst>
-                                  <p:childTnLst>
-                                    <p:set>
-                                      <p:cBhvr>
-                                        <p:cTn id="24" dur="1" fill="hold">
-                                          <p:stCondLst>
-                                            <p:cond delay="0"/>
-                                          </p:stCondLst>
-                                        </p:cTn>
-                                        <p:tgtEl>
-                                          <p:spTgt spid="10"/>
-                                        </p:tgtEl>
-                                        <p:attrNameLst>
-                                          <p:attrName>style.visibility</p:attrName>
-                                        </p:attrNameLst>
-                                      </p:cBhvr>
-                                      <p:to>
-                                        <p:strVal val="hidden"/>
-                                      </p:to>
-                                    </p:set>
-                                  </p:childTnLst>
-                                </p:cTn>
-                              </p:par>
-                            </p:childTnLst>
-                          </p:cTn>
-                        </p:par>
-                      </p:childTnLst>
-                    </p:cTn>
-                  </p:par>
-                </p:childTnLst>
-              </p:cTn>
-              <p:prevCondLst>
-                <p:cond evt="onPrev" delay="0">
-                  <p:tgtEl>
-                    <p:sldTgt/>
-                  </p:tgtEl>
-                </p:cond>
-              </p:prevCondLst>
-              <p:nextCondLst>
-                <p:cond evt="onNext" delay="0">
-                  <p:tgtEl>
-                    <p:sldTgt/>
-                  </p:tgtEl>
-                </p:cond>
-              </p:nextCondLst>
-            </p:seq>
-          </p:childTnLst>
-        </p:cTn>
-      </p:par>
-    </p:tnLst>
-    <p:bldLst>
-      <p:bldP spid="5" grpId="0" animBg="1"/>
-      <p:bldP spid="5" grpId="1" animBg="1"/>
-      <p:bldP spid="9" grpId="0" animBg="1"/>
-      <p:bldP spid="9" grpId="1" animBg="1"/>
-      <p:bldP spid="10" grpId="0" animBg="1"/>
-      <p:bldP spid="10" grpId="1" animBg="1"/>
-    </p:bldLst>
   </p:timing>
 </p:sld>
 </file>

--- a/Vortrag_TankCommander_Java/tankCommander.pptx
+++ b/Vortrag_TankCommander_Java/tankCommander.pptx
@@ -5,17 +5,18 @@
     <p:sldMasterId id="2147484323" r:id="rId1"/>
   </p:sldMasterIdLst>
   <p:notesMasterIdLst>
-    <p:notesMasterId r:id="rId10"/>
+    <p:notesMasterId r:id="rId11"/>
   </p:notesMasterIdLst>
   <p:sldIdLst>
     <p:sldId id="256" r:id="rId2"/>
     <p:sldId id="345" r:id="rId3"/>
-    <p:sldId id="388" r:id="rId4"/>
-    <p:sldId id="386" r:id="rId5"/>
-    <p:sldId id="387" r:id="rId6"/>
-    <p:sldId id="385" r:id="rId7"/>
-    <p:sldId id="288" r:id="rId8"/>
-    <p:sldId id="368" r:id="rId9"/>
+    <p:sldId id="389" r:id="rId4"/>
+    <p:sldId id="388" r:id="rId5"/>
+    <p:sldId id="386" r:id="rId6"/>
+    <p:sldId id="387" r:id="rId7"/>
+    <p:sldId id="385" r:id="rId8"/>
+    <p:sldId id="288" r:id="rId9"/>
+    <p:sldId id="368" r:id="rId10"/>
   </p:sldIdLst>
   <p:sldSz cx="9144000" cy="6858000" type="screen4x3"/>
   <p:notesSz cx="6858000" cy="9144000"/>
@@ -262,7 +263,7 @@
               <a:pPr>
                 <a:defRPr/>
               </a:pPr>
-              <a:t>01.09.2014</a:t>
+              <a:t>02.09.2014</a:t>
             </a:fld>
             <a:endParaRPr lang="de-DE"/>
           </a:p>
@@ -2963,11 +2964,7 @@
             </a:pPr>
             <a:r>
               <a:rPr lang="de-DE" altLang="de-DE" smtClean="0"/>
-              <a:t>Technische </a:t>
-            </a:r>
-            <a:r>
-              <a:rPr lang="de-DE" altLang="de-DE" smtClean="0"/>
-              <a:t>Grundlagen</a:t>
+              <a:t>Technische Grundlagen</a:t>
             </a:r>
           </a:p>
           <a:p>
@@ -3013,11 +3010,7 @@
             </a:pPr>
             <a:r>
               <a:rPr lang="de-DE" altLang="de-DE" smtClean="0"/>
-              <a:t>Mike Fallstricke </a:t>
-            </a:r>
-            <a:r>
-              <a:rPr lang="de-DE" altLang="de-DE" smtClean="0"/>
-              <a:t>durch Objektverteilung</a:t>
+              <a:t>Mike Fallstricke durch Objektverteilung</a:t>
             </a:r>
             <a:endParaRPr lang="de-DE" altLang="de-DE" dirty="0" smtClean="0"/>
           </a:p>
@@ -3031,7 +3024,6 @@
               <a:rPr lang="de-DE" altLang="de-DE" smtClean="0"/>
               <a:t>Benno Client</a:t>
             </a:r>
-            <a:endParaRPr lang="de-DE" altLang="de-DE" smtClean="0"/>
           </a:p>
           <a:p>
             <a:pPr>
@@ -3054,7 +3046,6 @@
               <a:rPr lang="de-DE" altLang="de-DE" smtClean="0"/>
               <a:t>Benno</a:t>
             </a:r>
-            <a:endParaRPr lang="de-DE" altLang="de-DE" smtClean="0"/>
           </a:p>
         </p:txBody>
       </p:sp>
@@ -3105,79 +3096,80 @@
           <a:bodyPr/>
           <a:lstStyle/>
           <a:p>
-            <a:r>
-              <a:rPr lang="de-DE" smtClean="0"/>
-              <a:t>Gamelogik </a:t>
-            </a:r>
-            <a:r>
-              <a:rPr lang="de-DE" dirty="0" smtClean="0"/>
-              <a:t>- Klassendiagramm</a:t>
-            </a:r>
-            <a:endParaRPr lang="de-DE" dirty="0"/>
+            <a:endParaRPr lang="de-DE"/>
           </a:p>
         </p:txBody>
       </p:sp>
-      <p:graphicFrame>
-        <p:nvGraphicFramePr>
-          <p:cNvPr id="5" name="Objekt 4"/>
-          <p:cNvGraphicFramePr>
-            <a:graphicFrameLocks/>
-          </p:cNvGraphicFramePr>
+      <p:pic>
+        <p:nvPicPr>
+          <p:cNvPr id="5" name="Film_TankCommander.m4v">
+            <a:hlinkClick r:id="" action="ppaction://media"/>
+          </p:cNvPr>
+          <p:cNvPicPr>
+            <a:picLocks noChangeAspect="1"/>
+          </p:cNvPicPr>
           <p:nvPr>
+            <a:videoFile r:link="rId2"/>
             <p:extLst>
-              <p:ext uri="{D42A27DB-BD31-4B8C-83A1-F6EECF244321}">
-                <p14:modId xmlns:p14="http://schemas.microsoft.com/office/powerpoint/2010/main" val="377190191"/>
+              <p:ext uri="{DAA4B4D4-6D71-4841-9C94-3DE7FCFB9230}">
+                <p14:media xmlns:p14="http://schemas.microsoft.com/office/powerpoint/2010/main" r:embed="rId1"/>
               </p:ext>
             </p:extLst>
           </p:nvPr>
-        </p:nvGraphicFramePr>
-        <p:xfrm>
-          <a:off x="343848" y="1556792"/>
-          <a:ext cx="8421613" cy="5214666"/>
-        </p:xfrm>
-        <a:graphic>
-          <a:graphicData uri="http://schemas.openxmlformats.org/presentationml/2006/ole">
-            <mc:AlternateContent xmlns:mc="http://schemas.openxmlformats.org/markup-compatibility/2006">
-              <mc:Choice xmlns:v="urn:schemas-microsoft-com:vml" Requires="v">
-                <p:oleObj spid="_x0000_s4099" name="Visio" r:id="rId3" imgW="7629393" imgH="4200571" progId="Visio.Drawing.15">
-                  <p:link updateAutomatic="1"/>
-                </p:oleObj>
-              </mc:Choice>
-              <mc:Fallback>
-                <p:oleObj name="Visio" r:id="rId3" imgW="7629393" imgH="4200571" progId="Visio.Drawing.15">
-                  <p:link updateAutomatic="1"/>
-                  <p:pic>
-                    <p:nvPicPr>
-                      <p:cNvPr id="0" name=""/>
-                      <p:cNvPicPr/>
-                      <p:nvPr/>
-                    </p:nvPicPr>
-                    <p:blipFill>
-                      <a:blip r:embed="rId4"/>
-                      <a:stretch>
-                        <a:fillRect/>
-                      </a:stretch>
-                    </p:blipFill>
-                    <p:spPr>
-                      <a:xfrm>
-                        <a:off x="343848" y="1556792"/>
-                        <a:ext cx="8421613" cy="5214666"/>
-                      </a:xfrm>
-                      <a:prstGeom prst="rect">
-                        <a:avLst/>
-                      </a:prstGeom>
-                    </p:spPr>
-                  </p:pic>
-                </p:oleObj>
-              </mc:Fallback>
-            </mc:AlternateContent>
-          </a:graphicData>
-        </a:graphic>
-      </p:graphicFrame>
+        </p:nvPicPr>
+        <p:blipFill>
+          <a:blip r:embed="rId4"/>
+          <a:stretch>
+            <a:fillRect/>
+          </a:stretch>
+        </p:blipFill>
+        <p:spPr>
+          <a:xfrm>
+            <a:off x="4552950" y="3414713"/>
+            <a:ext cx="38100" cy="28575"/>
+          </a:xfrm>
+          <a:prstGeom prst="rect">
+            <a:avLst/>
+          </a:prstGeom>
+        </p:spPr>
+      </p:pic>
+      <p:pic>
+        <p:nvPicPr>
+          <p:cNvPr id="6" name="Film_TankCommander.m4v">
+            <a:hlinkClick r:id="" action="ppaction://media"/>
+          </p:cNvPr>
+          <p:cNvPicPr>
+            <a:picLocks noChangeAspect="1"/>
+          </p:cNvPicPr>
+          <p:nvPr>
+            <a:videoFile r:link="rId2"/>
+            <p:extLst>
+              <p:ext uri="{DAA4B4D4-6D71-4841-9C94-3DE7FCFB9230}">
+                <p14:media xmlns:p14="http://schemas.microsoft.com/office/powerpoint/2010/main" r:embed="rId1"/>
+              </p:ext>
+            </p:extLst>
+          </p:nvPr>
+        </p:nvPicPr>
+        <p:blipFill>
+          <a:blip r:embed="rId5"/>
+          <a:stretch>
+            <a:fillRect/>
+          </a:stretch>
+        </p:blipFill>
+        <p:spPr>
+          <a:xfrm rot="10800000" flipH="1" flipV="1">
+            <a:off x="1513437" y="1650721"/>
+            <a:ext cx="6096851" cy="4572638"/>
+          </a:xfrm>
+          <a:prstGeom prst="rect">
+            <a:avLst/>
+          </a:prstGeom>
+        </p:spPr>
+      </p:pic>
     </p:spTree>
     <p:extLst>
       <p:ext uri="{BB962C8B-B14F-4D97-AF65-F5344CB8AC3E}">
-        <p14:creationId xmlns:p14="http://schemas.microsoft.com/office/powerpoint/2010/main" val="2067257061"/>
+        <p14:creationId xmlns:p14="http://schemas.microsoft.com/office/powerpoint/2010/main" val="2289503692"/>
       </p:ext>
     </p:extLst>
   </p:cSld>
@@ -3187,7 +3179,208 @@
   <p:timing>
     <p:tnLst>
       <p:par>
-        <p:cTn id="1" dur="indefinite" restart="never" nodeType="tmRoot"/>
+        <p:cTn id="1" dur="indefinite" restart="never" nodeType="tmRoot">
+          <p:childTnLst>
+            <p:seq concurrent="1" nextAc="seek">
+              <p:cTn id="2" dur="indefinite" nodeType="mainSeq">
+                <p:childTnLst>
+                  <p:par>
+                    <p:cTn id="3" fill="hold">
+                      <p:stCondLst>
+                        <p:cond delay="indefinite"/>
+                        <p:cond evt="onBegin" delay="0">
+                          <p:tn val="2"/>
+                        </p:cond>
+                      </p:stCondLst>
+                      <p:childTnLst>
+                        <p:par>
+                          <p:cTn id="4" fill="hold">
+                            <p:stCondLst>
+                              <p:cond delay="0"/>
+                            </p:stCondLst>
+                            <p:childTnLst>
+                              <p:par>
+                                <p:cTn id="5" presetID="1" presetClass="mediacall" presetSubtype="0" fill="hold" nodeType="afterEffect">
+                                  <p:stCondLst>
+                                    <p:cond delay="0"/>
+                                  </p:stCondLst>
+                                  <p:childTnLst>
+                                    <p:cmd type="call" cmd="playFrom(0.0)">
+                                      <p:cBhvr>
+                                        <p:cTn id="6" dur="21083" fill="hold"/>
+                                        <p:tgtEl>
+                                          <p:spTgt spid="6"/>
+                                        </p:tgtEl>
+                                      </p:cBhvr>
+                                    </p:cmd>
+                                  </p:childTnLst>
+                                </p:cTn>
+                              </p:par>
+                            </p:childTnLst>
+                          </p:cTn>
+                        </p:par>
+                      </p:childTnLst>
+                    </p:cTn>
+                  </p:par>
+                </p:childTnLst>
+              </p:cTn>
+              <p:prevCondLst>
+                <p:cond evt="onPrev" delay="0">
+                  <p:tgtEl>
+                    <p:sldTgt/>
+                  </p:tgtEl>
+                </p:cond>
+              </p:prevCondLst>
+              <p:nextCondLst>
+                <p:cond evt="onNext" delay="0">
+                  <p:tgtEl>
+                    <p:sldTgt/>
+                  </p:tgtEl>
+                </p:cond>
+              </p:nextCondLst>
+            </p:seq>
+            <p:seq concurrent="1" nextAc="seek">
+              <p:cTn id="7" restart="whenNotActive" fill="hold" evtFilter="cancelBubble" nodeType="interactiveSeq">
+                <p:stCondLst>
+                  <p:cond evt="onClick" delay="0">
+                    <p:tgtEl>
+                      <p:spTgt spid="5"/>
+                    </p:tgtEl>
+                  </p:cond>
+                </p:stCondLst>
+                <p:endSync evt="end" delay="0">
+                  <p:rtn val="all"/>
+                </p:endSync>
+                <p:childTnLst>
+                  <p:par>
+                    <p:cTn id="8" fill="hold">
+                      <p:stCondLst>
+                        <p:cond delay="0"/>
+                      </p:stCondLst>
+                      <p:childTnLst>
+                        <p:par>
+                          <p:cTn id="9" fill="hold">
+                            <p:stCondLst>
+                              <p:cond delay="0"/>
+                            </p:stCondLst>
+                            <p:childTnLst>
+                              <p:par>
+                                <p:cTn id="10" presetID="2" presetClass="mediacall" presetSubtype="0" fill="hold" nodeType="clickEffect">
+                                  <p:stCondLst>
+                                    <p:cond delay="0"/>
+                                  </p:stCondLst>
+                                  <p:childTnLst>
+                                    <p:cmd type="call" cmd="togglePause">
+                                      <p:cBhvr>
+                                        <p:cTn id="11" dur="1" fill="hold"/>
+                                        <p:tgtEl>
+                                          <p:spTgt spid="5"/>
+                                        </p:tgtEl>
+                                      </p:cBhvr>
+                                    </p:cmd>
+                                  </p:childTnLst>
+                                </p:cTn>
+                              </p:par>
+                            </p:childTnLst>
+                          </p:cTn>
+                        </p:par>
+                      </p:childTnLst>
+                    </p:cTn>
+                  </p:par>
+                </p:childTnLst>
+              </p:cTn>
+              <p:nextCondLst>
+                <p:cond evt="onClick" delay="0">
+                  <p:tgtEl>
+                    <p:spTgt spid="5"/>
+                  </p:tgtEl>
+                </p:cond>
+              </p:nextCondLst>
+            </p:seq>
+            <p:video>
+              <p:cMediaNode vol="80000">
+                <p:cTn id="12" fill="hold" display="0">
+                  <p:stCondLst>
+                    <p:cond delay="indefinite"/>
+                  </p:stCondLst>
+                </p:cTn>
+                <p:tgtEl>
+                  <p:spTgt spid="5"/>
+                </p:tgtEl>
+              </p:cMediaNode>
+            </p:video>
+            <p:video>
+              <p:cMediaNode vol="80000">
+                <p:cTn id="13" fill="hold" display="0">
+                  <p:stCondLst>
+                    <p:cond delay="indefinite"/>
+                  </p:stCondLst>
+                </p:cTn>
+                <p:tgtEl>
+                  <p:spTgt spid="6"/>
+                </p:tgtEl>
+              </p:cMediaNode>
+            </p:video>
+            <p:seq concurrent="1" nextAc="seek">
+              <p:cTn id="14" restart="whenNotActive" fill="hold" evtFilter="cancelBubble" nodeType="interactiveSeq">
+                <p:stCondLst>
+                  <p:cond evt="onClick" delay="0">
+                    <p:tgtEl>
+                      <p:spTgt spid="6"/>
+                    </p:tgtEl>
+                  </p:cond>
+                </p:stCondLst>
+                <p:endSync evt="end" delay="0">
+                  <p:rtn val="all"/>
+                </p:endSync>
+                <p:childTnLst>
+                  <p:par>
+                    <p:cTn id="15" fill="hold">
+                      <p:stCondLst>
+                        <p:cond delay="0"/>
+                      </p:stCondLst>
+                      <p:childTnLst>
+                        <p:par>
+                          <p:cTn id="16" fill="hold">
+                            <p:stCondLst>
+                              <p:cond delay="0"/>
+                            </p:stCondLst>
+                            <p:childTnLst>
+                              <p:par>
+                                <p:cTn id="17" presetID="2" presetClass="mediacall" presetSubtype="0" fill="hold" nodeType="clickEffect">
+                                  <p:stCondLst>
+                                    <p:cond delay="0"/>
+                                  </p:stCondLst>
+                                  <p:childTnLst>
+                                    <p:cmd type="call" cmd="togglePause">
+                                      <p:cBhvr>
+                                        <p:cTn id="18" dur="1" fill="hold"/>
+                                        <p:tgtEl>
+                                          <p:spTgt spid="6"/>
+                                        </p:tgtEl>
+                                      </p:cBhvr>
+                                    </p:cmd>
+                                  </p:childTnLst>
+                                </p:cTn>
+                              </p:par>
+                            </p:childTnLst>
+                          </p:cTn>
+                        </p:par>
+                      </p:childTnLst>
+                    </p:cTn>
+                  </p:par>
+                </p:childTnLst>
+              </p:cTn>
+              <p:nextCondLst>
+                <p:cond evt="onClick" delay="0">
+                  <p:tgtEl>
+                    <p:spTgt spid="6"/>
+                  </p:tgtEl>
+                </p:cond>
+              </p:nextCondLst>
+            </p:seq>
+          </p:childTnLst>
+        </p:cTn>
       </p:par>
     </p:tnLst>
   </p:timing>
@@ -3227,10 +3420,130 @@
           <a:lstStyle/>
           <a:p>
             <a:r>
+              <a:rPr lang="de-DE" smtClean="0"/>
+              <a:t>Gamelogik </a:t>
+            </a:r>
+            <a:r>
+              <a:rPr lang="de-DE" dirty="0" smtClean="0"/>
+              <a:t>- Klassendiagramm</a:t>
+            </a:r>
+            <a:endParaRPr lang="de-DE" dirty="0"/>
+          </a:p>
+        </p:txBody>
+      </p:sp>
+      <p:graphicFrame>
+        <p:nvGraphicFramePr>
+          <p:cNvPr id="5" name="Objekt 4"/>
+          <p:cNvGraphicFramePr>
+            <a:graphicFrameLocks noChangeAspect="1"/>
+          </p:cNvGraphicFramePr>
+          <p:nvPr>
+            <p:extLst>
+              <p:ext uri="{D42A27DB-BD31-4B8C-83A1-F6EECF244321}">
+                <p14:modId xmlns:p14="http://schemas.microsoft.com/office/powerpoint/2010/main" val="1343577249"/>
+              </p:ext>
+            </p:extLst>
+          </p:nvPr>
+        </p:nvGraphicFramePr>
+        <p:xfrm>
+          <a:off x="107504" y="1700808"/>
+          <a:ext cx="8924501" cy="4896544"/>
+        </p:xfrm>
+        <a:graphic>
+          <a:graphicData uri="http://schemas.openxmlformats.org/presentationml/2006/ole">
+            <mc:AlternateContent xmlns:mc="http://schemas.openxmlformats.org/markup-compatibility/2006">
+              <mc:Choice xmlns:v="urn:schemas-microsoft-com:vml" Requires="v">
+                <p:oleObj spid="_x0000_s4101" name="Visio" r:id="rId3" imgW="7629393" imgH="4200571" progId="Visio.Drawing.15">
+                  <p:link updateAutomatic="1"/>
+                </p:oleObj>
+              </mc:Choice>
+              <mc:Fallback>
+                <p:oleObj name="Visio" r:id="rId3" imgW="7629393" imgH="4200571" progId="Visio.Drawing.15">
+                  <p:link updateAutomatic="1"/>
+                  <p:pic>
+                    <p:nvPicPr>
+                      <p:cNvPr id="0" name=""/>
+                      <p:cNvPicPr/>
+                      <p:nvPr/>
+                    </p:nvPicPr>
+                    <p:blipFill>
+                      <a:blip r:embed="rId4"/>
+                      <a:stretch>
+                        <a:fillRect/>
+                      </a:stretch>
+                    </p:blipFill>
+                    <p:spPr>
+                      <a:xfrm>
+                        <a:off x="107504" y="1700808"/>
+                        <a:ext cx="8924501" cy="4896544"/>
+                      </a:xfrm>
+                      <a:prstGeom prst="rect">
+                        <a:avLst/>
+                      </a:prstGeom>
+                    </p:spPr>
+                  </p:pic>
+                </p:oleObj>
+              </mc:Fallback>
+            </mc:AlternateContent>
+          </a:graphicData>
+        </a:graphic>
+      </p:graphicFrame>
+    </p:spTree>
+    <p:extLst>
+      <p:ext uri="{BB962C8B-B14F-4D97-AF65-F5344CB8AC3E}">
+        <p14:creationId xmlns:p14="http://schemas.microsoft.com/office/powerpoint/2010/main" val="2067257061"/>
+      </p:ext>
+    </p:extLst>
+  </p:cSld>
+  <p:clrMapOvr>
+    <a:masterClrMapping/>
+  </p:clrMapOvr>
+  <p:timing>
+    <p:tnLst>
+      <p:par>
+        <p:cTn id="1" dur="indefinite" restart="never" nodeType="tmRoot"/>
+      </p:par>
+    </p:tnLst>
+  </p:timing>
+</p:sld>
+</file>
+
+<file path=ppt/slides/slide5.xml><?xml version="1.0" encoding="utf-8"?>
+<p:sld xmlns:a="http://schemas.openxmlformats.org/drawingml/2006/main" xmlns:r="http://schemas.openxmlformats.org/officeDocument/2006/relationships" xmlns:p="http://schemas.openxmlformats.org/presentationml/2006/main">
+  <p:cSld>
+    <p:spTree>
+      <p:nvGrpSpPr>
+        <p:cNvPr id="1" name=""/>
+        <p:cNvGrpSpPr/>
+        <p:nvPr/>
+      </p:nvGrpSpPr>
+      <p:grpSpPr>
+        <a:xfrm>
+          <a:off x="0" y="0"/>
+          <a:ext cx="0" cy="0"/>
+          <a:chOff x="0" y="0"/>
+          <a:chExt cx="0" cy="0"/>
+        </a:xfrm>
+      </p:grpSpPr>
+      <p:sp>
+        <p:nvSpPr>
+          <p:cNvPr id="2" name="Titel 1"/>
+          <p:cNvSpPr>
+            <a:spLocks noGrp="1"/>
+          </p:cNvSpPr>
+          <p:nvPr>
+            <p:ph type="title"/>
+          </p:nvPr>
+        </p:nvSpPr>
+        <p:spPr/>
+        <p:txBody>
+          <a:bodyPr/>
+          <a:lstStyle/>
+          <a:p>
+            <a:r>
               <a:rPr lang="de-DE"/>
               <a:t>Gamelogik - MatchBuilder</a:t>
             </a:r>
-            <a:endParaRPr lang="de-DE"/>
           </a:p>
         </p:txBody>
       </p:sp>
@@ -3256,7 +3569,7 @@
           <a:graphicData uri="http://schemas.openxmlformats.org/presentationml/2006/ole">
             <mc:AlternateContent xmlns:mc="http://schemas.openxmlformats.org/markup-compatibility/2006">
               <mc:Choice xmlns:v="urn:schemas-microsoft-com:vml" Requires="v">
-                <p:oleObj spid="_x0000_s3082" name="Visio" r:id="rId3" imgW="10020277" imgH="4419600" progId="Visio.Drawing.15">
+                <p:oleObj spid="_x0000_s3084" name="Visio" r:id="rId3" imgW="10020277" imgH="4419600" progId="Visio.Drawing.15">
                   <p:link updateAutomatic="1"/>
                 </p:oleObj>
               </mc:Choice>
@@ -4590,7 +4903,7 @@
 </p:sld>
 </file>
 
-<file path=ppt/slides/slide5.xml><?xml version="1.0" encoding="utf-8"?>
+<file path=ppt/slides/slide6.xml><?xml version="1.0" encoding="utf-8"?>
 <p:sld xmlns:a="http://schemas.openxmlformats.org/drawingml/2006/main" xmlns:r="http://schemas.openxmlformats.org/officeDocument/2006/relationships" xmlns:p="http://schemas.openxmlformats.org/presentationml/2006/main">
   <p:cSld>
     <p:spTree>
@@ -4626,7 +4939,6 @@
               <a:rPr lang="de-DE"/>
               <a:t>Gamelogik - Calculation</a:t>
             </a:r>
-            <a:endParaRPr lang="de-DE"/>
           </a:p>
         </p:txBody>
       </p:sp>
@@ -5344,7 +5656,7 @@
 </p:sld>
 </file>
 
-<file path=ppt/slides/slide6.xml><?xml version="1.0" encoding="utf-8"?>
+<file path=ppt/slides/slide7.xml><?xml version="1.0" encoding="utf-8"?>
 <p:sld xmlns:a="http://schemas.openxmlformats.org/drawingml/2006/main" xmlns:r="http://schemas.openxmlformats.org/officeDocument/2006/relationships" xmlns:p="http://schemas.openxmlformats.org/presentationml/2006/main">
   <p:cSld>
     <p:spTree>
@@ -6131,7 +6443,7 @@
 </p:sld>
 </file>
 
-<file path=ppt/slides/slide7.xml><?xml version="1.0" encoding="utf-8"?>
+<file path=ppt/slides/slide8.xml><?xml version="1.0" encoding="utf-8"?>
 <p:sld xmlns:a="http://schemas.openxmlformats.org/drawingml/2006/main" xmlns:r="http://schemas.openxmlformats.org/officeDocument/2006/relationships" xmlns:p="http://schemas.openxmlformats.org/presentationml/2006/main">
   <p:cSld>
     <p:spTree>
@@ -6254,7 +6566,7 @@
 </p:sld>
 </file>
 
-<file path=ppt/slides/slide8.xml><?xml version="1.0" encoding="utf-8"?>
+<file path=ppt/slides/slide9.xml><?xml version="1.0" encoding="utf-8"?>
 <p:sld xmlns:a="http://schemas.openxmlformats.org/drawingml/2006/main" xmlns:r="http://schemas.openxmlformats.org/officeDocument/2006/relationships" xmlns:p="http://schemas.openxmlformats.org/presentationml/2006/main">
   <p:cSld>
     <p:spTree>
